--- a/宣道詩/(宣道詩169)基督精兵前進.pptx
+++ b/宣道詩/(宣道詩169)基督精兵前進.pptx
@@ -5,18 +5,24 @@
     <p:sldMasterId id="2147483672" r:id="rId1"/>
   </p:sldMasterIdLst>
   <p:sldIdLst>
-    <p:sldId id="256" r:id="rId2"/>
-    <p:sldId id="262" r:id="rId3"/>
-    <p:sldId id="257" r:id="rId4"/>
-    <p:sldId id="263" r:id="rId5"/>
-    <p:sldId id="258" r:id="rId6"/>
-    <p:sldId id="264" r:id="rId7"/>
-    <p:sldId id="259" r:id="rId8"/>
-    <p:sldId id="265" r:id="rId9"/>
-    <p:sldId id="260" r:id="rId10"/>
-    <p:sldId id="261" r:id="rId11"/>
+    <p:sldId id="266" r:id="rId2"/>
+    <p:sldId id="267" r:id="rId3"/>
+    <p:sldId id="268" r:id="rId4"/>
+    <p:sldId id="269" r:id="rId5"/>
+    <p:sldId id="270" r:id="rId6"/>
+    <p:sldId id="271" r:id="rId7"/>
+    <p:sldId id="272" r:id="rId8"/>
+    <p:sldId id="273" r:id="rId9"/>
+    <p:sldId id="274" r:id="rId10"/>
+    <p:sldId id="275" r:id="rId11"/>
+    <p:sldId id="276" r:id="rId12"/>
+    <p:sldId id="277" r:id="rId13"/>
+    <p:sldId id="278" r:id="rId14"/>
+    <p:sldId id="279" r:id="rId15"/>
+    <p:sldId id="280" r:id="rId16"/>
+    <p:sldId id="281" r:id="rId17"/>
   </p:sldIdLst>
-  <p:sldSz cx="9144000" cy="6858000" type="screen4x3"/>
+  <p:sldSz cx="12192000" cy="6858000"/>
   <p:notesSz cx="6858000" cy="9144000"/>
   <p:defaultTextStyle>
     <a:defPPr>
@@ -113,6 +119,22 @@
       </a:defRPr>
     </a:lvl9pPr>
   </p:defaultTextStyle>
+  <p:extLst>
+    <p:ext uri="{EFAFB233-063F-42B5-8137-9DF3F51BA10A}">
+      <p15:sldGuideLst xmlns:p15="http://schemas.microsoft.com/office/powerpoint/2012/main">
+        <p15:guide id="1" orient="horz" pos="2160" userDrawn="1">
+          <p15:clr>
+            <a:srgbClr val="A4A3A4"/>
+          </p15:clr>
+        </p15:guide>
+        <p15:guide id="2" pos="3840" userDrawn="1">
+          <p15:clr>
+            <a:srgbClr val="A4A3A4"/>
+          </p15:clr>
+        </p15:guide>
+      </p15:sldGuideLst>
+    </p:ext>
+  </p:extLst>
 </p:presentation>
 </file>
 
@@ -145,8 +167,8 @@
         </p:nvSpPr>
         <p:spPr>
           <a:xfrm>
-            <a:off x="685800" y="2130425"/>
-            <a:ext cx="7772400" cy="1470025"/>
+            <a:off x="914400" y="2130426"/>
+            <a:ext cx="10363200" cy="1470025"/>
           </a:xfrm>
         </p:spPr>
         <p:txBody>
@@ -173,8 +195,8 @@
         </p:nvSpPr>
         <p:spPr>
           <a:xfrm>
-            <a:off x="1371600" y="3886200"/>
-            <a:ext cx="6400800" cy="1752600"/>
+            <a:off x="1828800" y="3886200"/>
+            <a:ext cx="8534400" cy="1752600"/>
           </a:xfrm>
         </p:spPr>
         <p:txBody>
@@ -298,7 +320,7 @@
             <a:fld id="{2E2735D3-1C7E-4A6A-82F1-6B0F6BBB8BBC}" type="datetimeFigureOut">
               <a:rPr lang="zh-TW" altLang="en-US" smtClean="0"/>
               <a:pPr/>
-              <a:t>2018/4/29</a:t>
+              <a:t>2023/6/24</a:t>
             </a:fld>
             <a:endParaRPr lang="zh-TW" altLang="en-US"/>
           </a:p>
@@ -465,7 +487,7 @@
             <a:fld id="{2E2735D3-1C7E-4A6A-82F1-6B0F6BBB8BBC}" type="datetimeFigureOut">
               <a:rPr lang="zh-TW" altLang="en-US" smtClean="0"/>
               <a:pPr/>
-              <a:t>2018/4/29</a:t>
+              <a:t>2023/6/24</a:t>
             </a:fld>
             <a:endParaRPr lang="zh-TW" altLang="en-US"/>
           </a:p>
@@ -551,8 +573,8 @@
         </p:nvSpPr>
         <p:spPr>
           <a:xfrm>
-            <a:off x="6629400" y="274638"/>
-            <a:ext cx="2057400" cy="5851525"/>
+            <a:off x="8839200" y="274639"/>
+            <a:ext cx="2743200" cy="5851525"/>
           </a:xfrm>
         </p:spPr>
         <p:txBody>
@@ -579,8 +601,8 @@
         </p:nvSpPr>
         <p:spPr>
           <a:xfrm>
-            <a:off x="457200" y="274638"/>
-            <a:ext cx="6019800" cy="5851525"/>
+            <a:off x="609600" y="274639"/>
+            <a:ext cx="8026400" cy="5851525"/>
           </a:xfrm>
         </p:spPr>
         <p:txBody>
@@ -642,7 +664,7 @@
             <a:fld id="{2E2735D3-1C7E-4A6A-82F1-6B0F6BBB8BBC}" type="datetimeFigureOut">
               <a:rPr lang="zh-TW" altLang="en-US" smtClean="0"/>
               <a:pPr/>
-              <a:t>2018/4/29</a:t>
+              <a:t>2023/6/24</a:t>
             </a:fld>
             <a:endParaRPr lang="zh-TW" altLang="en-US"/>
           </a:p>
@@ -809,7 +831,7 @@
             <a:fld id="{2E2735D3-1C7E-4A6A-82F1-6B0F6BBB8BBC}" type="datetimeFigureOut">
               <a:rPr lang="zh-TW" altLang="en-US" smtClean="0"/>
               <a:pPr/>
-              <a:t>2018/4/29</a:t>
+              <a:t>2023/6/24</a:t>
             </a:fld>
             <a:endParaRPr lang="zh-TW" altLang="en-US"/>
           </a:p>
@@ -895,8 +917,8 @@
         </p:nvSpPr>
         <p:spPr>
           <a:xfrm>
-            <a:off x="722313" y="4406900"/>
-            <a:ext cx="7772400" cy="1362075"/>
+            <a:off x="963084" y="4406901"/>
+            <a:ext cx="10363200" cy="1362075"/>
           </a:xfrm>
         </p:spPr>
         <p:txBody>
@@ -927,8 +949,8 @@
         </p:nvSpPr>
         <p:spPr>
           <a:xfrm>
-            <a:off x="722313" y="2906713"/>
-            <a:ext cx="7772400" cy="1500187"/>
+            <a:off x="963084" y="2906713"/>
+            <a:ext cx="10363200" cy="1500187"/>
           </a:xfrm>
         </p:spPr>
         <p:txBody>
@@ -1052,7 +1074,7 @@
             <a:fld id="{2E2735D3-1C7E-4A6A-82F1-6B0F6BBB8BBC}" type="datetimeFigureOut">
               <a:rPr lang="zh-TW" altLang="en-US" smtClean="0"/>
               <a:pPr/>
-              <a:t>2018/4/29</a:t>
+              <a:t>2023/6/24</a:t>
             </a:fld>
             <a:endParaRPr lang="zh-TW" altLang="en-US"/>
           </a:p>
@@ -1161,8 +1183,8 @@
         </p:nvSpPr>
         <p:spPr>
           <a:xfrm>
-            <a:off x="457200" y="1600200"/>
-            <a:ext cx="4038600" cy="4525963"/>
+            <a:off x="609600" y="1600201"/>
+            <a:ext cx="5384800" cy="4525963"/>
           </a:xfrm>
         </p:spPr>
         <p:txBody>
@@ -1246,8 +1268,8 @@
         </p:nvSpPr>
         <p:spPr>
           <a:xfrm>
-            <a:off x="4648200" y="1600200"/>
-            <a:ext cx="4038600" cy="4525963"/>
+            <a:off x="6197600" y="1600201"/>
+            <a:ext cx="5384800" cy="4525963"/>
           </a:xfrm>
         </p:spPr>
         <p:txBody>
@@ -1337,7 +1359,7 @@
             <a:fld id="{2E2735D3-1C7E-4A6A-82F1-6B0F6BBB8BBC}" type="datetimeFigureOut">
               <a:rPr lang="zh-TW" altLang="en-US" smtClean="0"/>
               <a:pPr/>
-              <a:t>2018/4/29</a:t>
+              <a:t>2023/6/24</a:t>
             </a:fld>
             <a:endParaRPr lang="zh-TW" altLang="en-US"/>
           </a:p>
@@ -1450,8 +1472,8 @@
         </p:nvSpPr>
         <p:spPr>
           <a:xfrm>
-            <a:off x="457200" y="1535113"/>
-            <a:ext cx="4040188" cy="639762"/>
+            <a:off x="609600" y="1535113"/>
+            <a:ext cx="5386917" cy="639762"/>
           </a:xfrm>
         </p:spPr>
         <p:txBody>
@@ -1515,8 +1537,8 @@
         </p:nvSpPr>
         <p:spPr>
           <a:xfrm>
-            <a:off x="457200" y="2174875"/>
-            <a:ext cx="4040188" cy="3951288"/>
+            <a:off x="609600" y="2174875"/>
+            <a:ext cx="5386917" cy="3951288"/>
           </a:xfrm>
         </p:spPr>
         <p:txBody>
@@ -1600,8 +1622,8 @@
         </p:nvSpPr>
         <p:spPr>
           <a:xfrm>
-            <a:off x="4645025" y="1535113"/>
-            <a:ext cx="4041775" cy="639762"/>
+            <a:off x="6193368" y="1535113"/>
+            <a:ext cx="5389033" cy="639762"/>
           </a:xfrm>
         </p:spPr>
         <p:txBody>
@@ -1665,8 +1687,8 @@
         </p:nvSpPr>
         <p:spPr>
           <a:xfrm>
-            <a:off x="4645025" y="2174875"/>
-            <a:ext cx="4041775" cy="3951288"/>
+            <a:off x="6193368" y="2174875"/>
+            <a:ext cx="5389033" cy="3951288"/>
           </a:xfrm>
         </p:spPr>
         <p:txBody>
@@ -1756,7 +1778,7 @@
             <a:fld id="{2E2735D3-1C7E-4A6A-82F1-6B0F6BBB8BBC}" type="datetimeFigureOut">
               <a:rPr lang="zh-TW" altLang="en-US" smtClean="0"/>
               <a:pPr/>
-              <a:t>2018/4/29</a:t>
+              <a:t>2023/6/24</a:t>
             </a:fld>
             <a:endParaRPr lang="zh-TW" altLang="en-US"/>
           </a:p>
@@ -1871,7 +1893,7 @@
             <a:fld id="{2E2735D3-1C7E-4A6A-82F1-6B0F6BBB8BBC}" type="datetimeFigureOut">
               <a:rPr lang="zh-TW" altLang="en-US" smtClean="0"/>
               <a:pPr/>
-              <a:t>2018/4/29</a:t>
+              <a:t>2023/6/24</a:t>
             </a:fld>
             <a:endParaRPr lang="zh-TW" altLang="en-US"/>
           </a:p>
@@ -1963,7 +1985,7 @@
             <a:fld id="{2E2735D3-1C7E-4A6A-82F1-6B0F6BBB8BBC}" type="datetimeFigureOut">
               <a:rPr lang="zh-TW" altLang="en-US" smtClean="0"/>
               <a:pPr/>
-              <a:t>2018/4/29</a:t>
+              <a:t>2023/6/24</a:t>
             </a:fld>
             <a:endParaRPr lang="zh-TW" altLang="en-US"/>
           </a:p>
@@ -2049,8 +2071,8 @@
         </p:nvSpPr>
         <p:spPr>
           <a:xfrm>
-            <a:off x="457200" y="273050"/>
-            <a:ext cx="3008313" cy="1162050"/>
+            <a:off x="609601" y="273050"/>
+            <a:ext cx="4011084" cy="1162050"/>
           </a:xfrm>
         </p:spPr>
         <p:txBody>
@@ -2081,8 +2103,8 @@
         </p:nvSpPr>
         <p:spPr>
           <a:xfrm>
-            <a:off x="3575050" y="273050"/>
-            <a:ext cx="5111750" cy="5853113"/>
+            <a:off x="4766733" y="273051"/>
+            <a:ext cx="6815667" cy="5853113"/>
           </a:xfrm>
         </p:spPr>
         <p:txBody>
@@ -2166,8 +2188,8 @@
         </p:nvSpPr>
         <p:spPr>
           <a:xfrm>
-            <a:off x="457200" y="1435100"/>
-            <a:ext cx="3008313" cy="4691063"/>
+            <a:off x="609601" y="1435101"/>
+            <a:ext cx="4011084" cy="4691063"/>
           </a:xfrm>
         </p:spPr>
         <p:txBody>
@@ -2237,7 +2259,7 @@
             <a:fld id="{2E2735D3-1C7E-4A6A-82F1-6B0F6BBB8BBC}" type="datetimeFigureOut">
               <a:rPr lang="zh-TW" altLang="en-US" smtClean="0"/>
               <a:pPr/>
-              <a:t>2018/4/29</a:t>
+              <a:t>2023/6/24</a:t>
             </a:fld>
             <a:endParaRPr lang="zh-TW" altLang="en-US"/>
           </a:p>
@@ -2323,8 +2345,8 @@
         </p:nvSpPr>
         <p:spPr>
           <a:xfrm>
-            <a:off x="1792288" y="4800600"/>
-            <a:ext cx="5486400" cy="566738"/>
+            <a:off x="2389717" y="4800600"/>
+            <a:ext cx="7315200" cy="566738"/>
           </a:xfrm>
         </p:spPr>
         <p:txBody>
@@ -2355,8 +2377,8 @@
         </p:nvSpPr>
         <p:spPr>
           <a:xfrm>
-            <a:off x="1792288" y="612775"/>
-            <a:ext cx="5486400" cy="4114800"/>
+            <a:off x="2389717" y="612775"/>
+            <a:ext cx="7315200" cy="4114800"/>
           </a:xfrm>
         </p:spPr>
         <p:txBody>
@@ -2420,8 +2442,8 @@
         </p:nvSpPr>
         <p:spPr>
           <a:xfrm>
-            <a:off x="1792288" y="5367338"/>
-            <a:ext cx="5486400" cy="804862"/>
+            <a:off x="2389717" y="5367338"/>
+            <a:ext cx="7315200" cy="804862"/>
           </a:xfrm>
         </p:spPr>
         <p:txBody>
@@ -2491,7 +2513,7 @@
             <a:fld id="{2E2735D3-1C7E-4A6A-82F1-6B0F6BBB8BBC}" type="datetimeFigureOut">
               <a:rPr lang="zh-TW" altLang="en-US" smtClean="0"/>
               <a:pPr/>
-              <a:t>2018/4/29</a:t>
+              <a:t>2023/6/24</a:t>
             </a:fld>
             <a:endParaRPr lang="zh-TW" altLang="en-US"/>
           </a:p>
@@ -2587,8 +2609,8 @@
         </p:nvSpPr>
         <p:spPr>
           <a:xfrm>
-            <a:off x="457200" y="274638"/>
-            <a:ext cx="8229600" cy="1143000"/>
+            <a:off x="609600" y="274638"/>
+            <a:ext cx="10972800" cy="1143000"/>
           </a:xfrm>
           <a:prstGeom prst="rect">
             <a:avLst/>
@@ -2620,8 +2642,8 @@
         </p:nvSpPr>
         <p:spPr>
           <a:xfrm>
-            <a:off x="457200" y="1600200"/>
-            <a:ext cx="8229600" cy="4525963"/>
+            <a:off x="609600" y="1600201"/>
+            <a:ext cx="10972800" cy="4525963"/>
           </a:xfrm>
           <a:prstGeom prst="rect">
             <a:avLst/>
@@ -2682,8 +2704,8 @@
         </p:nvSpPr>
         <p:spPr>
           <a:xfrm>
-            <a:off x="457200" y="6356350"/>
-            <a:ext cx="2133600" cy="365125"/>
+            <a:off x="609600" y="6356351"/>
+            <a:ext cx="2844800" cy="365125"/>
           </a:xfrm>
           <a:prstGeom prst="rect">
             <a:avLst/>
@@ -2706,7 +2728,7 @@
             <a:fld id="{2E2735D3-1C7E-4A6A-82F1-6B0F6BBB8BBC}" type="datetimeFigureOut">
               <a:rPr lang="zh-TW" altLang="en-US" smtClean="0"/>
               <a:pPr/>
-              <a:t>2018/4/29</a:t>
+              <a:t>2023/6/24</a:t>
             </a:fld>
             <a:endParaRPr lang="zh-TW" altLang="en-US"/>
           </a:p>
@@ -2724,8 +2746,8 @@
         </p:nvSpPr>
         <p:spPr>
           <a:xfrm>
-            <a:off x="3124200" y="6356350"/>
-            <a:ext cx="2895600" cy="365125"/>
+            <a:off x="4165600" y="6356351"/>
+            <a:ext cx="3860800" cy="365125"/>
           </a:xfrm>
           <a:prstGeom prst="rect">
             <a:avLst/>
@@ -2761,8 +2783,8 @@
         </p:nvSpPr>
         <p:spPr>
           <a:xfrm>
-            <a:off x="6553200" y="6356350"/>
-            <a:ext cx="2133600" cy="365125"/>
+            <a:off x="8737600" y="6356351"/>
+            <a:ext cx="2844800" cy="365125"/>
           </a:xfrm>
           <a:prstGeom prst="rect">
             <a:avLst/>
@@ -3087,297 +3109,139 @@
             <p:ph type="title"/>
           </p:nvPr>
         </p:nvSpPr>
-        <p:spPr/>
-        <p:txBody>
-          <a:bodyPr/>
-          <a:lstStyle/>
-          <a:p>
-            <a:r>
-              <a:rPr lang="zh-TW" altLang="en-US" b="1" dirty="0" smtClean="0">
-                <a:solidFill>
-                  <a:srgbClr val="000066"/>
-                </a:solidFill>
+        <p:spPr>
+          <a:xfrm>
+            <a:off x="0" y="2660915"/>
+            <a:ext cx="12192000" cy="1143000"/>
+          </a:xfrm>
+        </p:spPr>
+        <p:txBody>
+          <a:bodyPr>
+            <a:noAutofit/>
+          </a:bodyPr>
+          <a:lstStyle/>
+          <a:p>
+            <a:r>
+              <a:rPr lang="zh-CN" altLang="en-US" sz="5333" b="1" u="sng" dirty="0">
+                <a:solidFill>
+                  <a:srgbClr val="660033"/>
+                </a:solidFill>
+                <a:effectLst>
+                  <a:outerShdw blurRad="38100" dist="38100" dir="2700000" algn="tl">
+                    <a:srgbClr val="000000">
+                      <a:alpha val="43137"/>
+                    </a:srgbClr>
+                  </a:outerShdw>
+                </a:effectLst>
                 <a:latin typeface="微軟正黑體" pitchFamily="34" charset="-120"/>
                 <a:ea typeface="微軟正黑體" pitchFamily="34" charset="-120"/>
               </a:rPr>
-              <a:t>基督精兵前進</a:t>
-            </a:r>
-            <a:endParaRPr lang="zh-TW" altLang="en-US" b="1" dirty="0">
-              <a:solidFill>
-                <a:srgbClr val="000066"/>
-              </a:solidFill>
-              <a:latin typeface="微軟正黑體" pitchFamily="34" charset="-120"/>
-              <a:ea typeface="微軟正黑體" pitchFamily="34" charset="-120"/>
-            </a:endParaRPr>
-          </a:p>
-        </p:txBody>
-      </p:sp>
-      <p:sp>
-        <p:nvSpPr>
-          <p:cNvPr id="5" name="內容版面配置區 4"/>
-          <p:cNvSpPr>
-            <a:spLocks noGrp="1"/>
-          </p:cNvSpPr>
-          <p:nvPr>
-            <p:ph idx="1"/>
-          </p:nvPr>
-        </p:nvSpPr>
-        <p:spPr>
-          <a:xfrm>
-            <a:off x="0" y="1600200"/>
-            <a:ext cx="9144000" cy="5257800"/>
-          </a:xfrm>
-        </p:spPr>
-        <p:txBody>
-          <a:bodyPr>
-            <a:normAutofit/>
-          </a:bodyPr>
-          <a:lstStyle/>
-          <a:p>
-            <a:pPr algn="ctr">
-              <a:buNone/>
-            </a:pPr>
-            <a:r>
-              <a:rPr lang="zh-TW" altLang="en-US" sz="5400" b="1" dirty="0">
-                <a:solidFill>
-                  <a:srgbClr val="000066"/>
-                </a:solidFill>
+              <a:t>宣道詩 </a:t>
+            </a:r>
+            <a:r>
+              <a:rPr lang="en-US" altLang="zh-CN" sz="5333" b="1" u="sng" dirty="0">
+                <a:solidFill>
+                  <a:srgbClr val="660033"/>
+                </a:solidFill>
+                <a:effectLst>
+                  <a:outerShdw blurRad="38100" dist="38100" dir="2700000" algn="tl">
+                    <a:srgbClr val="000000">
+                      <a:alpha val="43137"/>
+                    </a:srgbClr>
+                  </a:outerShdw>
+                </a:effectLst>
                 <a:latin typeface="微軟正黑體" pitchFamily="34" charset="-120"/>
                 <a:ea typeface="微軟正黑體" pitchFamily="34" charset="-120"/>
               </a:rPr>
-              <a:t>基督精兵</a:t>
-            </a:r>
-            <a:r>
-              <a:rPr lang="zh-TW" altLang="en-US" sz="5400" b="1" dirty="0" smtClean="0">
-                <a:solidFill>
-                  <a:srgbClr val="000066"/>
-                </a:solidFill>
+              <a:t>169</a:t>
+            </a:r>
+            <a:r>
+              <a:rPr lang="en-US" altLang="zh-CN" sz="7200" b="1" i="1" dirty="0">
+                <a:solidFill>
+                  <a:srgbClr val="660033"/>
+                </a:solidFill>
+                <a:effectLst>
+                  <a:outerShdw blurRad="38100" dist="38100" dir="2700000" algn="tl">
+                    <a:srgbClr val="000000">
+                      <a:alpha val="43137"/>
+                    </a:srgbClr>
+                  </a:outerShdw>
+                </a:effectLst>
                 <a:latin typeface="微軟正黑體" pitchFamily="34" charset="-120"/>
                 <a:ea typeface="微軟正黑體" pitchFamily="34" charset="-120"/>
               </a:rPr>
-              <a:t>前進  齊</a:t>
-            </a:r>
-            <a:r>
-              <a:rPr lang="zh-TW" altLang="en-US" sz="5400" b="1" dirty="0">
-                <a:solidFill>
-                  <a:srgbClr val="000066"/>
-                </a:solidFill>
+              <a:t/>
+            </a:r>
+            <a:br>
+              <a:rPr lang="en-US" altLang="zh-CN" sz="7200" b="1" i="1" dirty="0">
+                <a:solidFill>
+                  <a:srgbClr val="660033"/>
+                </a:solidFill>
+                <a:effectLst>
+                  <a:outerShdw blurRad="38100" dist="38100" dir="2700000" algn="tl">
+                    <a:srgbClr val="000000">
+                      <a:alpha val="43137"/>
+                    </a:srgbClr>
+                  </a:outerShdw>
+                </a:effectLst>
                 <a:latin typeface="微軟正黑體" pitchFamily="34" charset="-120"/>
                 <a:ea typeface="微軟正黑體" pitchFamily="34" charset="-120"/>
               </a:rPr>
-              <a:t>向戰場</a:t>
-            </a:r>
-            <a:r>
-              <a:rPr lang="zh-TW" altLang="en-US" sz="5400" b="1" dirty="0" smtClean="0">
-                <a:solidFill>
-                  <a:srgbClr val="000066"/>
-                </a:solidFill>
+            </a:br>
+            <a:r>
+              <a:rPr lang="zh-TW" altLang="en-US" sz="8000" b="1" dirty="0">
+                <a:solidFill>
+                  <a:srgbClr val="000066"/>
+                </a:solidFill>
+                <a:effectLst>
+                  <a:outerShdw blurRad="38100" dist="38100" dir="2700000" algn="tl">
+                    <a:srgbClr val="000000">
+                      <a:alpha val="43137"/>
+                    </a:srgbClr>
+                  </a:outerShdw>
+                </a:effectLst>
                 <a:latin typeface="微軟正黑體" pitchFamily="34" charset="-120"/>
                 <a:ea typeface="微軟正黑體" pitchFamily="34" charset="-120"/>
               </a:rPr>
-              <a:t>走</a:t>
-            </a:r>
-            <a:endParaRPr lang="en-US" altLang="zh-TW" sz="5400" b="1" dirty="0" smtClean="0">
-              <a:solidFill>
-                <a:srgbClr val="000066"/>
-              </a:solidFill>
-              <a:latin typeface="微軟正黑體" pitchFamily="34" charset="-120"/>
-              <a:ea typeface="微軟正黑體" pitchFamily="34" charset="-120"/>
-            </a:endParaRPr>
-          </a:p>
-          <a:p>
-            <a:pPr algn="ctr">
-              <a:buNone/>
-            </a:pPr>
-            <a:r>
-              <a:rPr lang="zh-TW" altLang="en-US" sz="5400" b="1" dirty="0" smtClean="0">
-                <a:solidFill>
-                  <a:srgbClr val="000066"/>
-                </a:solidFill>
+              <a:t>基</a:t>
+            </a:r>
+            <a:r>
+              <a:rPr lang="zh-TW" altLang="en-US" sz="8000" b="1" dirty="0">
+                <a:solidFill>
+                  <a:srgbClr val="000066"/>
+                </a:solidFill>
+                <a:effectLst>
+                  <a:outerShdw blurRad="38100" dist="38100" dir="2700000" algn="tl">
+                    <a:srgbClr val="000000">
+                      <a:alpha val="43137"/>
+                    </a:srgbClr>
+                  </a:outerShdw>
+                </a:effectLst>
                 <a:latin typeface="微軟正黑體" pitchFamily="34" charset="-120"/>
                 <a:ea typeface="微軟正黑體" pitchFamily="34" charset="-120"/>
               </a:rPr>
-              <a:t>耶穌</a:t>
-            </a:r>
-            <a:r>
-              <a:rPr lang="zh-TW" altLang="en-US" sz="5400" b="1" dirty="0">
-                <a:solidFill>
-                  <a:srgbClr val="000066"/>
-                </a:solidFill>
-                <a:latin typeface="微軟正黑體" pitchFamily="34" charset="-120"/>
-                <a:ea typeface="微軟正黑體" pitchFamily="34" charset="-120"/>
-              </a:rPr>
-              <a:t>為我</a:t>
-            </a:r>
-            <a:r>
-              <a:rPr lang="zh-TW" altLang="en-US" sz="5400" b="1" dirty="0" smtClean="0">
-                <a:solidFill>
-                  <a:srgbClr val="000066"/>
-                </a:solidFill>
-                <a:latin typeface="微軟正黑體" pitchFamily="34" charset="-120"/>
-                <a:ea typeface="微軟正黑體" pitchFamily="34" charset="-120"/>
-              </a:rPr>
-              <a:t>元帥  引導</a:t>
-            </a:r>
-            <a:r>
-              <a:rPr lang="zh-TW" altLang="en-US" sz="5400" b="1" dirty="0">
-                <a:solidFill>
-                  <a:srgbClr val="000066"/>
-                </a:solidFill>
-                <a:latin typeface="微軟正黑體" pitchFamily="34" charset="-120"/>
-                <a:ea typeface="微軟正黑體" pitchFamily="34" charset="-120"/>
-              </a:rPr>
-              <a:t>在</a:t>
-            </a:r>
-            <a:r>
-              <a:rPr lang="zh-TW" altLang="en-US" sz="5400" b="1" dirty="0" smtClean="0">
-                <a:solidFill>
-                  <a:srgbClr val="000066"/>
-                </a:solidFill>
-                <a:latin typeface="微軟正黑體" pitchFamily="34" charset="-120"/>
-                <a:ea typeface="微軟正黑體" pitchFamily="34" charset="-120"/>
-              </a:rPr>
-              <a:t>前頭</a:t>
-            </a:r>
-            <a:endParaRPr lang="en-US" altLang="zh-TW" sz="5400" b="1" dirty="0" smtClean="0">
-              <a:solidFill>
-                <a:srgbClr val="000066"/>
-              </a:solidFill>
-              <a:latin typeface="微軟正黑體" pitchFamily="34" charset="-120"/>
-              <a:ea typeface="微軟正黑體" pitchFamily="34" charset="-120"/>
-            </a:endParaRPr>
-          </a:p>
-          <a:p>
-            <a:pPr algn="ctr">
-              <a:buNone/>
-            </a:pPr>
-            <a:r>
-              <a:rPr lang="zh-TW" altLang="en-US" sz="5400" b="1" dirty="0" smtClean="0">
-                <a:solidFill>
-                  <a:srgbClr val="000066"/>
-                </a:solidFill>
-                <a:latin typeface="微軟正黑體" pitchFamily="34" charset="-120"/>
-                <a:ea typeface="微軟正黑體" pitchFamily="34" charset="-120"/>
-              </a:rPr>
-              <a:t>永</a:t>
-            </a:r>
-            <a:r>
-              <a:rPr lang="zh-TW" altLang="en-US" sz="5400" b="1" dirty="0">
-                <a:solidFill>
-                  <a:srgbClr val="000066"/>
-                </a:solidFill>
-                <a:latin typeface="微軟正黑體" pitchFamily="34" charset="-120"/>
-                <a:ea typeface="微軟正黑體" pitchFamily="34" charset="-120"/>
-              </a:rPr>
-              <a:t>為王之基</a:t>
-            </a:r>
-            <a:r>
-              <a:rPr lang="zh-TW" altLang="en-US" sz="5400" b="1" dirty="0" smtClean="0">
-                <a:solidFill>
-                  <a:srgbClr val="000066"/>
-                </a:solidFill>
-                <a:latin typeface="微軟正黑體" pitchFamily="34" charset="-120"/>
-                <a:ea typeface="微軟正黑體" pitchFamily="34" charset="-120"/>
-              </a:rPr>
-              <a:t>督  帶領</a:t>
-            </a:r>
-            <a:r>
-              <a:rPr lang="zh-TW" altLang="en-US" sz="5400" b="1" dirty="0">
-                <a:solidFill>
-                  <a:srgbClr val="000066"/>
-                </a:solidFill>
-                <a:latin typeface="微軟正黑體" pitchFamily="34" charset="-120"/>
-                <a:ea typeface="微軟正黑體" pitchFamily="34" charset="-120"/>
-              </a:rPr>
-              <a:t>攻</a:t>
-            </a:r>
-            <a:r>
-              <a:rPr lang="zh-TW" altLang="en-US" sz="5400" b="1" dirty="0" smtClean="0">
-                <a:solidFill>
-                  <a:srgbClr val="000066"/>
-                </a:solidFill>
-                <a:latin typeface="微軟正黑體" pitchFamily="34" charset="-120"/>
-                <a:ea typeface="微軟正黑體" pitchFamily="34" charset="-120"/>
-              </a:rPr>
-              <a:t>仇敵看</a:t>
-            </a:r>
-            <a:endParaRPr lang="en-US" altLang="zh-TW" sz="5400" b="1" dirty="0" smtClean="0">
-              <a:solidFill>
-                <a:srgbClr val="000066"/>
-              </a:solidFill>
-              <a:latin typeface="微軟正黑體" pitchFamily="34" charset="-120"/>
-              <a:ea typeface="微軟正黑體" pitchFamily="34" charset="-120"/>
-            </a:endParaRPr>
-          </a:p>
-          <a:p>
-            <a:pPr algn="ctr">
-              <a:buNone/>
-            </a:pPr>
-            <a:r>
-              <a:rPr lang="zh-TW" altLang="en-US" sz="5400" b="1" dirty="0" smtClean="0">
-                <a:solidFill>
-                  <a:srgbClr val="000066"/>
-                </a:solidFill>
-                <a:latin typeface="微軟正黑體" pitchFamily="34" charset="-120"/>
-                <a:ea typeface="微軟正黑體" pitchFamily="34" charset="-120"/>
-              </a:rPr>
-              <a:t>祂</a:t>
-            </a:r>
-            <a:r>
-              <a:rPr lang="zh-TW" altLang="en-US" sz="5400" b="1" dirty="0">
-                <a:solidFill>
-                  <a:srgbClr val="000066"/>
-                </a:solidFill>
-                <a:latin typeface="微軟正黑體" pitchFamily="34" charset="-120"/>
-                <a:ea typeface="微軟正黑體" pitchFamily="34" charset="-120"/>
-              </a:rPr>
-              <a:t>旗幟</a:t>
-            </a:r>
-            <a:r>
-              <a:rPr lang="zh-TW" altLang="en-US" sz="5400" b="1" dirty="0" smtClean="0">
-                <a:solidFill>
-                  <a:srgbClr val="000066"/>
-                </a:solidFill>
-                <a:latin typeface="微軟正黑體" pitchFamily="34" charset="-120"/>
-                <a:ea typeface="微軟正黑體" pitchFamily="34" charset="-120"/>
-              </a:rPr>
-              <a:t>前進  已</a:t>
-            </a:r>
-            <a:r>
-              <a:rPr lang="zh-TW" altLang="en-US" sz="5400" b="1" dirty="0">
-                <a:solidFill>
-                  <a:srgbClr val="000066"/>
-                </a:solidFill>
-                <a:latin typeface="微軟正黑體" pitchFamily="34" charset="-120"/>
-                <a:ea typeface="微軟正黑體" pitchFamily="34" charset="-120"/>
-              </a:rPr>
-              <a:t>到戰</a:t>
-            </a:r>
-            <a:r>
-              <a:rPr lang="zh-TW" altLang="en-US" sz="5400" b="1" dirty="0" smtClean="0">
-                <a:solidFill>
-                  <a:srgbClr val="000066"/>
-                </a:solidFill>
-                <a:latin typeface="微軟正黑體" pitchFamily="34" charset="-120"/>
-                <a:ea typeface="微軟正黑體" pitchFamily="34" charset="-120"/>
-              </a:rPr>
-              <a:t>陣地</a:t>
-            </a:r>
-            <a:endParaRPr lang="zh-TW" altLang="en-US" sz="5400" b="1" dirty="0">
-              <a:solidFill>
-                <a:srgbClr val="000066"/>
-              </a:solidFill>
-              <a:latin typeface="微軟正黑體" pitchFamily="34" charset="-120"/>
-              <a:ea typeface="微軟正黑體" pitchFamily="34" charset="-120"/>
-            </a:endParaRPr>
+              <a:t>督精兵前進</a:t>
+            </a:r>
           </a:p>
         </p:txBody>
       </p:sp>
     </p:spTree>
+    <p:extLst>
+      <p:ext uri="{BB962C8B-B14F-4D97-AF65-F5344CB8AC3E}">
+        <p14:creationId xmlns:p14="http://schemas.microsoft.com/office/powerpoint/2010/main" val="1894118101"/>
+      </p:ext>
+    </p:extLst>
   </p:cSld>
   <p:clrMapOvr>
     <a:masterClrMapping/>
   </p:clrMapOvr>
+  <p:timing>
+    <p:tnLst>
+      <p:par>
+        <p:cTn id="1" dur="indefinite" restart="never" nodeType="tmRoot"/>
+      </p:par>
+    </p:tnLst>
+  </p:timing>
 </p:sld>
 </file>
 
@@ -3400,21 +3264,31 @@
       </p:grpSpPr>
       <p:sp>
         <p:nvSpPr>
-          <p:cNvPr id="4" name="標題 3"/>
-          <p:cNvSpPr>
-            <a:spLocks noGrp="1"/>
-          </p:cNvSpPr>
-          <p:nvPr>
-            <p:ph type="title"/>
-          </p:nvPr>
-        </p:nvSpPr>
-        <p:spPr/>
-        <p:txBody>
-          <a:bodyPr/>
-          <a:lstStyle/>
-          <a:p>
-            <a:r>
-              <a:rPr lang="zh-TW" altLang="en-US" b="1" dirty="0" smtClean="0">
+          <p:cNvPr id="5" name="內容版面配置區 4"/>
+          <p:cNvSpPr>
+            <a:spLocks noGrp="1"/>
+          </p:cNvSpPr>
+          <p:nvPr>
+            <p:ph idx="1"/>
+          </p:nvPr>
+        </p:nvSpPr>
+        <p:spPr>
+          <a:xfrm>
+            <a:off x="0" y="2084851"/>
+            <a:ext cx="12192000" cy="2404863"/>
+          </a:xfrm>
+        </p:spPr>
+        <p:txBody>
+          <a:bodyPr anchor="ctr">
+            <a:normAutofit/>
+          </a:bodyPr>
+          <a:lstStyle/>
+          <a:p>
+            <a:pPr algn="ctr">
+              <a:buNone/>
+            </a:pPr>
+            <a:r>
+              <a:rPr lang="zh-TW" altLang="en-US" sz="6400" b="1" dirty="0">
                 <a:solidFill>
                   <a:srgbClr val="000066"/>
                 </a:solidFill>
@@ -3423,7 +3297,27 @@
               </a:rPr>
               <a:t>基督精兵前進</a:t>
             </a:r>
-            <a:endParaRPr lang="zh-TW" altLang="en-US" b="1" dirty="0">
+            <a:r>
+              <a:rPr lang="en-US" altLang="zh-TW" sz="6400" b="1" dirty="0">
+                <a:solidFill>
+                  <a:srgbClr val="000066"/>
+                </a:solidFill>
+                <a:latin typeface="微軟正黑體" pitchFamily="34" charset="-120"/>
+                <a:ea typeface="微軟正黑體" pitchFamily="34" charset="-120"/>
+              </a:rPr>
+              <a:t>  </a:t>
+            </a:r>
+            <a:r>
+              <a:rPr lang="zh-TW" altLang="en-US" sz="6400" b="1" dirty="0">
+                <a:solidFill>
+                  <a:srgbClr val="000066"/>
+                </a:solidFill>
+                <a:latin typeface="微軟正黑體" pitchFamily="34" charset="-120"/>
+                <a:ea typeface="微軟正黑體" pitchFamily="34" charset="-120"/>
+              </a:rPr>
+              <a:t>齊向戰場走</a:t>
+            </a:r>
+            <a:endParaRPr lang="en-US" altLang="zh-TW" sz="6400" b="1" dirty="0">
               <a:solidFill>
                 <a:srgbClr val="000066"/>
               </a:solidFill>
@@ -3431,54 +3325,41 @@
               <a:ea typeface="微軟正黑體" pitchFamily="34" charset="-120"/>
             </a:endParaRPr>
           </a:p>
-        </p:txBody>
-      </p:sp>
-      <p:sp>
-        <p:nvSpPr>
-          <p:cNvPr id="5" name="內容版面配置區 4"/>
-          <p:cNvSpPr>
-            <a:spLocks noGrp="1"/>
-          </p:cNvSpPr>
-          <p:nvPr>
-            <p:ph idx="1"/>
-          </p:nvPr>
-        </p:nvSpPr>
-        <p:spPr>
-          <a:xfrm>
-            <a:off x="0" y="1600200"/>
-            <a:ext cx="9144000" cy="5257800"/>
-          </a:xfrm>
-        </p:spPr>
-        <p:txBody>
-          <a:bodyPr>
-            <a:normAutofit/>
-          </a:bodyPr>
-          <a:lstStyle/>
           <a:p>
             <a:pPr algn="ctr">
               <a:buNone/>
             </a:pPr>
             <a:r>
-              <a:rPr lang="zh-TW" altLang="en-US" sz="5400" b="1" dirty="0">
+              <a:rPr lang="zh-TW" altLang="en-US" sz="6400" b="1" dirty="0">
                 <a:solidFill>
                   <a:srgbClr val="000066"/>
                 </a:solidFill>
                 <a:latin typeface="微軟正黑體" pitchFamily="34" charset="-120"/>
                 <a:ea typeface="微軟正黑體" pitchFamily="34" charset="-120"/>
               </a:rPr>
-              <a:t>基督精兵</a:t>
-            </a:r>
-            <a:r>
-              <a:rPr lang="zh-TW" altLang="en-US" sz="5400" b="1" dirty="0" smtClean="0">
+              <a:t>耶穌為我元帥</a:t>
+            </a:r>
+            <a:r>
+              <a:rPr lang="en-US" altLang="zh-TW" sz="6400" b="1" dirty="0">
                 <a:solidFill>
                   <a:srgbClr val="000066"/>
                 </a:solidFill>
                 <a:latin typeface="微軟正黑體" pitchFamily="34" charset="-120"/>
                 <a:ea typeface="微軟正黑體" pitchFamily="34" charset="-120"/>
               </a:rPr>
-              <a:t>前進</a:t>
-            </a:r>
-            <a:endParaRPr lang="en-US" altLang="zh-TW" sz="5400" b="1" dirty="0" smtClean="0">
+              <a:t>  </a:t>
+            </a:r>
+            <a:r>
+              <a:rPr lang="zh-TW" altLang="en-US" sz="6400" b="1" dirty="0">
+                <a:solidFill>
+                  <a:srgbClr val="000066"/>
+                </a:solidFill>
+                <a:latin typeface="微軟正黑體" pitchFamily="34" charset="-120"/>
+                <a:ea typeface="微軟正黑體" pitchFamily="34" charset="-120"/>
+              </a:rPr>
+              <a:t>引導在前頭</a:t>
+            </a:r>
+            <a:endParaRPr lang="zh-TW" altLang="en-US" sz="6400" b="1" dirty="0">
               <a:solidFill>
                 <a:srgbClr val="000066"/>
               </a:solidFill>
@@ -3486,41 +3367,81 @@
               <a:ea typeface="微軟正黑體" pitchFamily="34" charset="-120"/>
             </a:endParaRPr>
           </a:p>
+        </p:txBody>
+      </p:sp>
+    </p:spTree>
+    <p:extLst>
+      <p:ext uri="{BB962C8B-B14F-4D97-AF65-F5344CB8AC3E}">
+        <p14:creationId xmlns:p14="http://schemas.microsoft.com/office/powerpoint/2010/main" val="2408977538"/>
+      </p:ext>
+    </p:extLst>
+  </p:cSld>
+  <p:clrMapOvr>
+    <a:masterClrMapping/>
+  </p:clrMapOvr>
+  <p:timing>
+    <p:tnLst>
+      <p:par>
+        <p:cTn id="1" dur="indefinite" restart="never" nodeType="tmRoot"/>
+      </p:par>
+    </p:tnLst>
+  </p:timing>
+</p:sld>
+</file>
+
+<file path=ppt/slides/slide11.xml><?xml version="1.0" encoding="utf-8"?>
+<p:sld xmlns:a="http://schemas.openxmlformats.org/drawingml/2006/main" xmlns:r="http://schemas.openxmlformats.org/officeDocument/2006/relationships" xmlns:p="http://schemas.openxmlformats.org/presentationml/2006/main">
+  <p:cSld>
+    <p:spTree>
+      <p:nvGrpSpPr>
+        <p:cNvPr id="1" name=""/>
+        <p:cNvGrpSpPr/>
+        <p:nvPr/>
+      </p:nvGrpSpPr>
+      <p:grpSpPr>
+        <a:xfrm>
+          <a:off x="0" y="0"/>
+          <a:ext cx="0" cy="0"/>
+          <a:chOff x="0" y="0"/>
+          <a:chExt cx="0" cy="0"/>
+        </a:xfrm>
+      </p:grpSpPr>
+      <p:sp>
+        <p:nvSpPr>
+          <p:cNvPr id="5" name="內容版面配置區 4"/>
+          <p:cNvSpPr>
+            <a:spLocks noGrp="1"/>
+          </p:cNvSpPr>
+          <p:nvPr>
+            <p:ph idx="1"/>
+          </p:nvPr>
+        </p:nvSpPr>
+        <p:spPr>
+          <a:xfrm>
+            <a:off x="0" y="2084851"/>
+            <a:ext cx="12192000" cy="2404863"/>
+          </a:xfrm>
+        </p:spPr>
+        <p:txBody>
+          <a:bodyPr anchor="ctr">
+            <a:normAutofit/>
+          </a:bodyPr>
+          <a:lstStyle/>
           <a:p>
             <a:pPr algn="ctr">
               <a:buNone/>
             </a:pPr>
             <a:r>
-              <a:rPr lang="zh-TW" altLang="en-US" sz="5400" b="1" dirty="0" smtClean="0">
+              <a:rPr lang="zh-TW" altLang="en-US" sz="6400" b="1" dirty="0">
                 <a:solidFill>
                   <a:srgbClr val="000066"/>
                 </a:solidFill>
                 <a:latin typeface="微軟正黑體" pitchFamily="34" charset="-120"/>
                 <a:ea typeface="微軟正黑體" pitchFamily="34" charset="-120"/>
               </a:rPr>
-              <a:t>齊</a:t>
-            </a:r>
-            <a:r>
-              <a:rPr lang="zh-TW" altLang="en-US" sz="5400" b="1" dirty="0">
-                <a:solidFill>
-                  <a:srgbClr val="000066"/>
-                </a:solidFill>
-                <a:latin typeface="微軟正黑體" pitchFamily="34" charset="-120"/>
-                <a:ea typeface="微軟正黑體" pitchFamily="34" charset="-120"/>
-              </a:rPr>
-              <a:t>向戰場</a:t>
-            </a:r>
-            <a:r>
-              <a:rPr lang="zh-TW" altLang="en-US" sz="5400" b="1" dirty="0" smtClean="0">
-                <a:solidFill>
-                  <a:srgbClr val="000066"/>
-                </a:solidFill>
-                <a:latin typeface="微軟正黑體" pitchFamily="34" charset="-120"/>
-                <a:ea typeface="微軟正黑體" pitchFamily="34" charset="-120"/>
-              </a:rPr>
-              <a:t>走</a:t>
-            </a:r>
-            <a:endParaRPr lang="en-US" altLang="zh-TW" sz="5400" b="1" dirty="0" smtClean="0">
+              <a:t>王位冠冕可壞  邦國有興衰</a:t>
+            </a:r>
+            <a:endParaRPr lang="en-US" altLang="zh-TW" sz="6400" b="1" dirty="0">
               <a:solidFill>
                 <a:srgbClr val="000066"/>
               </a:solidFill>
@@ -3533,36 +3454,16 @@
               <a:buNone/>
             </a:pPr>
             <a:r>
-              <a:rPr lang="zh-TW" altLang="en-US" sz="5400" b="1" dirty="0" smtClean="0">
+              <a:rPr lang="zh-TW" altLang="en-US" sz="6400" b="1" dirty="0">
                 <a:solidFill>
                   <a:srgbClr val="000066"/>
                 </a:solidFill>
                 <a:latin typeface="微軟正黑體" pitchFamily="34" charset="-120"/>
                 <a:ea typeface="微軟正黑體" pitchFamily="34" charset="-120"/>
               </a:rPr>
-              <a:t>耶穌</a:t>
-            </a:r>
-            <a:r>
-              <a:rPr lang="zh-TW" altLang="en-US" sz="5400" b="1" dirty="0">
-                <a:solidFill>
-                  <a:srgbClr val="000066"/>
-                </a:solidFill>
-                <a:latin typeface="微軟正黑體" pitchFamily="34" charset="-120"/>
-                <a:ea typeface="微軟正黑體" pitchFamily="34" charset="-120"/>
-              </a:rPr>
-              <a:t>為我</a:t>
-            </a:r>
-            <a:r>
-              <a:rPr lang="zh-TW" altLang="en-US" sz="5400" b="1" dirty="0" smtClean="0">
-                <a:solidFill>
-                  <a:srgbClr val="000066"/>
-                </a:solidFill>
-                <a:latin typeface="微軟正黑體" pitchFamily="34" charset="-120"/>
-                <a:ea typeface="微軟正黑體" pitchFamily="34" charset="-120"/>
-              </a:rPr>
-              <a:t>元帥</a:t>
-            </a:r>
-            <a:endParaRPr lang="en-US" altLang="zh-TW" sz="5400" b="1" dirty="0" smtClean="0">
+              <a:t>惟有基督聖教  傳流永不敗</a:t>
+            </a:r>
+            <a:endParaRPr lang="en-US" altLang="zh-TW" sz="6400" b="1" dirty="0">
               <a:solidFill>
                 <a:srgbClr val="000066"/>
               </a:solidFill>
@@ -3570,41 +3471,120 @@
               <a:ea typeface="微軟正黑體" pitchFamily="34" charset="-120"/>
             </a:endParaRPr>
           </a:p>
+        </p:txBody>
+      </p:sp>
+      <p:sp>
+        <p:nvSpPr>
+          <p:cNvPr id="3" name="TextBox 2"/>
+          <p:cNvSpPr txBox="1"/>
+          <p:nvPr/>
+        </p:nvSpPr>
+        <p:spPr>
+          <a:xfrm>
+            <a:off x="0" y="5061181"/>
+            <a:ext cx="12192000" cy="666786"/>
+          </a:xfrm>
+          <a:prstGeom prst="rect">
+            <a:avLst/>
+          </a:prstGeom>
+          <a:noFill/>
+        </p:spPr>
+        <p:txBody>
+          <a:bodyPr wrap="square" rtlCol="0">
+            <a:spAutoFit/>
+          </a:bodyPr>
+          <a:lstStyle/>
+          <a:p>
+            <a:pPr algn="ctr"/>
+            <a:r>
+              <a:rPr lang="en-US" sz="3733" b="1" dirty="0">
+                <a:solidFill>
+                  <a:srgbClr val="000066"/>
+                </a:solidFill>
+              </a:rPr>
+              <a:t>( 4 / 5 )</a:t>
+            </a:r>
+            <a:endParaRPr lang="vi-VN" sz="3733" b="1" dirty="0">
+              <a:solidFill>
+                <a:srgbClr val="000066"/>
+              </a:solidFill>
+            </a:endParaRPr>
+          </a:p>
+        </p:txBody>
+      </p:sp>
+    </p:spTree>
+    <p:extLst>
+      <p:ext uri="{BB962C8B-B14F-4D97-AF65-F5344CB8AC3E}">
+        <p14:creationId xmlns:p14="http://schemas.microsoft.com/office/powerpoint/2010/main" val="3710313844"/>
+      </p:ext>
+    </p:extLst>
+  </p:cSld>
+  <p:clrMapOvr>
+    <a:masterClrMapping/>
+  </p:clrMapOvr>
+  <p:timing>
+    <p:tnLst>
+      <p:par>
+        <p:cTn id="1" dur="indefinite" restart="never" nodeType="tmRoot"/>
+      </p:par>
+    </p:tnLst>
+  </p:timing>
+</p:sld>
+</file>
+
+<file path=ppt/slides/slide12.xml><?xml version="1.0" encoding="utf-8"?>
+<p:sld xmlns:a="http://schemas.openxmlformats.org/drawingml/2006/main" xmlns:r="http://schemas.openxmlformats.org/officeDocument/2006/relationships" xmlns:p="http://schemas.openxmlformats.org/presentationml/2006/main">
+  <p:cSld>
+    <p:spTree>
+      <p:nvGrpSpPr>
+        <p:cNvPr id="1" name=""/>
+        <p:cNvGrpSpPr/>
+        <p:nvPr/>
+      </p:nvGrpSpPr>
+      <p:grpSpPr>
+        <a:xfrm>
+          <a:off x="0" y="0"/>
+          <a:ext cx="0" cy="0"/>
+          <a:chOff x="0" y="0"/>
+          <a:chExt cx="0" cy="0"/>
+        </a:xfrm>
+      </p:grpSpPr>
+      <p:sp>
+        <p:nvSpPr>
+          <p:cNvPr id="5" name="內容版面配置區 4"/>
+          <p:cNvSpPr>
+            <a:spLocks noGrp="1"/>
+          </p:cNvSpPr>
+          <p:nvPr>
+            <p:ph idx="1"/>
+          </p:nvPr>
+        </p:nvSpPr>
+        <p:spPr>
+          <a:xfrm>
+            <a:off x="0" y="2084851"/>
+            <a:ext cx="12192000" cy="2404863"/>
+          </a:xfrm>
+        </p:spPr>
+        <p:txBody>
+          <a:bodyPr anchor="ctr">
+            <a:normAutofit/>
+          </a:bodyPr>
+          <a:lstStyle/>
           <a:p>
             <a:pPr algn="ctr">
               <a:buNone/>
             </a:pPr>
             <a:r>
-              <a:rPr lang="zh-TW" altLang="en-US" sz="5400" b="1" dirty="0" smtClean="0">
+              <a:rPr lang="zh-TW" altLang="en-US" sz="6400" b="1" dirty="0">
                 <a:solidFill>
                   <a:srgbClr val="000066"/>
                 </a:solidFill>
                 <a:latin typeface="微軟正黑體" pitchFamily="34" charset="-120"/>
                 <a:ea typeface="微軟正黑體" pitchFamily="34" charset="-120"/>
               </a:rPr>
-              <a:t>引導</a:t>
-            </a:r>
-            <a:r>
-              <a:rPr lang="zh-TW" altLang="en-US" sz="5400" b="1" dirty="0">
-                <a:solidFill>
-                  <a:srgbClr val="000066"/>
-                </a:solidFill>
-                <a:latin typeface="微軟正黑體" pitchFamily="34" charset="-120"/>
-                <a:ea typeface="微軟正黑體" pitchFamily="34" charset="-120"/>
-              </a:rPr>
-              <a:t>在</a:t>
-            </a:r>
-            <a:r>
-              <a:rPr lang="zh-TW" altLang="en-US" sz="5400" b="1" dirty="0" smtClean="0">
-                <a:solidFill>
-                  <a:srgbClr val="000066"/>
-                </a:solidFill>
-                <a:latin typeface="微軟正黑體" pitchFamily="34" charset="-120"/>
-                <a:ea typeface="微軟正黑體" pitchFamily="34" charset="-120"/>
-              </a:rPr>
-              <a:t>前頭</a:t>
-            </a:r>
-            <a:endParaRPr lang="zh-TW" altLang="en-US" sz="5400" b="1" dirty="0">
+              <a:t>地獄兇惡權勢  萬不勝教會</a:t>
+            </a:r>
+            <a:endParaRPr lang="en-US" altLang="zh-TW" sz="6400" b="1" dirty="0">
               <a:solidFill>
                 <a:srgbClr val="000066"/>
               </a:solidFill>
@@ -3612,13 +3592,660 @@
               <a:ea typeface="微軟正黑體" pitchFamily="34" charset="-120"/>
             </a:endParaRPr>
           </a:p>
+          <a:p>
+            <a:pPr algn="ctr">
+              <a:buNone/>
+            </a:pPr>
+            <a:r>
+              <a:rPr lang="zh-TW" altLang="en-US" sz="6400" b="1" dirty="0">
+                <a:solidFill>
+                  <a:srgbClr val="000066"/>
+                </a:solidFill>
+                <a:latin typeface="微軟正黑體" pitchFamily="34" charset="-120"/>
+                <a:ea typeface="微軟正黑體" pitchFamily="34" charset="-120"/>
+              </a:rPr>
+              <a:t>因基督所應許  永遠不能廢</a:t>
+            </a:r>
+            <a:endParaRPr lang="zh-TW" altLang="en-US" sz="6400" b="1" dirty="0">
+              <a:solidFill>
+                <a:srgbClr val="000066"/>
+              </a:solidFill>
+              <a:latin typeface="微軟正黑體" pitchFamily="34" charset="-120"/>
+              <a:ea typeface="微軟正黑體" pitchFamily="34" charset="-120"/>
+            </a:endParaRPr>
+          </a:p>
+        </p:txBody>
+      </p:sp>
+      <p:sp>
+        <p:nvSpPr>
+          <p:cNvPr id="3" name="TextBox 2"/>
+          <p:cNvSpPr txBox="1"/>
+          <p:nvPr/>
+        </p:nvSpPr>
+        <p:spPr>
+          <a:xfrm>
+            <a:off x="0" y="5061181"/>
+            <a:ext cx="12192000" cy="666786"/>
+          </a:xfrm>
+          <a:prstGeom prst="rect">
+            <a:avLst/>
+          </a:prstGeom>
+          <a:noFill/>
+        </p:spPr>
+        <p:txBody>
+          <a:bodyPr wrap="square" rtlCol="0">
+            <a:spAutoFit/>
+          </a:bodyPr>
+          <a:lstStyle/>
+          <a:p>
+            <a:pPr algn="ctr"/>
+            <a:r>
+              <a:rPr lang="en-US" sz="3733" b="1" dirty="0">
+                <a:solidFill>
+                  <a:srgbClr val="000066"/>
+                </a:solidFill>
+              </a:rPr>
+              <a:t>( 4 / 5 )</a:t>
+            </a:r>
+            <a:endParaRPr lang="vi-VN" sz="3733" b="1" dirty="0">
+              <a:solidFill>
+                <a:srgbClr val="000066"/>
+              </a:solidFill>
+            </a:endParaRPr>
+          </a:p>
         </p:txBody>
       </p:sp>
     </p:spTree>
+    <p:extLst>
+      <p:ext uri="{BB962C8B-B14F-4D97-AF65-F5344CB8AC3E}">
+        <p14:creationId xmlns:p14="http://schemas.microsoft.com/office/powerpoint/2010/main" val="540678431"/>
+      </p:ext>
+    </p:extLst>
   </p:cSld>
   <p:clrMapOvr>
     <a:masterClrMapping/>
   </p:clrMapOvr>
+  <p:timing>
+    <p:tnLst>
+      <p:par>
+        <p:cTn id="1" dur="indefinite" restart="never" nodeType="tmRoot"/>
+      </p:par>
+    </p:tnLst>
+  </p:timing>
+</p:sld>
+</file>
+
+<file path=ppt/slides/slide13.xml><?xml version="1.0" encoding="utf-8"?>
+<p:sld xmlns:a="http://schemas.openxmlformats.org/drawingml/2006/main" xmlns:r="http://schemas.openxmlformats.org/officeDocument/2006/relationships" xmlns:p="http://schemas.openxmlformats.org/presentationml/2006/main">
+  <p:cSld>
+    <p:spTree>
+      <p:nvGrpSpPr>
+        <p:cNvPr id="1" name=""/>
+        <p:cNvGrpSpPr/>
+        <p:nvPr/>
+      </p:nvGrpSpPr>
+      <p:grpSpPr>
+        <a:xfrm>
+          <a:off x="0" y="0"/>
+          <a:ext cx="0" cy="0"/>
+          <a:chOff x="0" y="0"/>
+          <a:chExt cx="0" cy="0"/>
+        </a:xfrm>
+      </p:grpSpPr>
+      <p:sp>
+        <p:nvSpPr>
+          <p:cNvPr id="5" name="內容版面配置區 4"/>
+          <p:cNvSpPr>
+            <a:spLocks noGrp="1"/>
+          </p:cNvSpPr>
+          <p:nvPr>
+            <p:ph idx="1"/>
+          </p:nvPr>
+        </p:nvSpPr>
+        <p:spPr>
+          <a:xfrm>
+            <a:off x="0" y="2084851"/>
+            <a:ext cx="12192000" cy="2404863"/>
+          </a:xfrm>
+        </p:spPr>
+        <p:txBody>
+          <a:bodyPr anchor="ctr">
+            <a:normAutofit/>
+          </a:bodyPr>
+          <a:lstStyle/>
+          <a:p>
+            <a:pPr algn="ctr">
+              <a:buNone/>
+            </a:pPr>
+            <a:r>
+              <a:rPr lang="zh-TW" altLang="en-US" sz="6400" b="1" dirty="0">
+                <a:solidFill>
+                  <a:srgbClr val="000066"/>
+                </a:solidFill>
+                <a:latin typeface="微軟正黑體" pitchFamily="34" charset="-120"/>
+                <a:ea typeface="微軟正黑體" pitchFamily="34" charset="-120"/>
+              </a:rPr>
+              <a:t>基督精兵前進</a:t>
+            </a:r>
+            <a:r>
+              <a:rPr lang="en-US" altLang="zh-TW" sz="6400" b="1" dirty="0">
+                <a:solidFill>
+                  <a:srgbClr val="000066"/>
+                </a:solidFill>
+                <a:latin typeface="微軟正黑體" pitchFamily="34" charset="-120"/>
+                <a:ea typeface="微軟正黑體" pitchFamily="34" charset="-120"/>
+              </a:rPr>
+              <a:t>  </a:t>
+            </a:r>
+            <a:r>
+              <a:rPr lang="zh-TW" altLang="en-US" sz="6400" b="1" dirty="0">
+                <a:solidFill>
+                  <a:srgbClr val="000066"/>
+                </a:solidFill>
+                <a:latin typeface="微軟正黑體" pitchFamily="34" charset="-120"/>
+                <a:ea typeface="微軟正黑體" pitchFamily="34" charset="-120"/>
+              </a:rPr>
+              <a:t>齊向戰場走</a:t>
+            </a:r>
+            <a:endParaRPr lang="en-US" altLang="zh-TW" sz="6400" b="1" dirty="0">
+              <a:solidFill>
+                <a:srgbClr val="000066"/>
+              </a:solidFill>
+              <a:latin typeface="微軟正黑體" pitchFamily="34" charset="-120"/>
+              <a:ea typeface="微軟正黑體" pitchFamily="34" charset="-120"/>
+            </a:endParaRPr>
+          </a:p>
+          <a:p>
+            <a:pPr algn="ctr">
+              <a:buNone/>
+            </a:pPr>
+            <a:r>
+              <a:rPr lang="zh-TW" altLang="en-US" sz="6400" b="1" dirty="0">
+                <a:solidFill>
+                  <a:srgbClr val="000066"/>
+                </a:solidFill>
+                <a:latin typeface="微軟正黑體" pitchFamily="34" charset="-120"/>
+                <a:ea typeface="微軟正黑體" pitchFamily="34" charset="-120"/>
+              </a:rPr>
+              <a:t>耶穌為我元帥</a:t>
+            </a:r>
+            <a:r>
+              <a:rPr lang="en-US" altLang="zh-TW" sz="6400" b="1" dirty="0">
+                <a:solidFill>
+                  <a:srgbClr val="000066"/>
+                </a:solidFill>
+                <a:latin typeface="微軟正黑體" pitchFamily="34" charset="-120"/>
+                <a:ea typeface="微軟正黑體" pitchFamily="34" charset="-120"/>
+              </a:rPr>
+              <a:t>  </a:t>
+            </a:r>
+            <a:r>
+              <a:rPr lang="zh-TW" altLang="en-US" sz="6400" b="1" dirty="0">
+                <a:solidFill>
+                  <a:srgbClr val="000066"/>
+                </a:solidFill>
+                <a:latin typeface="微軟正黑體" pitchFamily="34" charset="-120"/>
+                <a:ea typeface="微軟正黑體" pitchFamily="34" charset="-120"/>
+              </a:rPr>
+              <a:t>引導在前頭</a:t>
+            </a:r>
+            <a:endParaRPr lang="zh-TW" altLang="en-US" sz="6400" b="1" dirty="0">
+              <a:solidFill>
+                <a:srgbClr val="000066"/>
+              </a:solidFill>
+              <a:latin typeface="微軟正黑體" pitchFamily="34" charset="-120"/>
+              <a:ea typeface="微軟正黑體" pitchFamily="34" charset="-120"/>
+            </a:endParaRPr>
+          </a:p>
+        </p:txBody>
+      </p:sp>
+    </p:spTree>
+    <p:extLst>
+      <p:ext uri="{BB962C8B-B14F-4D97-AF65-F5344CB8AC3E}">
+        <p14:creationId xmlns:p14="http://schemas.microsoft.com/office/powerpoint/2010/main" val="1589805194"/>
+      </p:ext>
+    </p:extLst>
+  </p:cSld>
+  <p:clrMapOvr>
+    <a:masterClrMapping/>
+  </p:clrMapOvr>
+  <p:timing>
+    <p:tnLst>
+      <p:par>
+        <p:cTn id="1" dur="indefinite" restart="never" nodeType="tmRoot"/>
+      </p:par>
+    </p:tnLst>
+  </p:timing>
+</p:sld>
+</file>
+
+<file path=ppt/slides/slide14.xml><?xml version="1.0" encoding="utf-8"?>
+<p:sld xmlns:a="http://schemas.openxmlformats.org/drawingml/2006/main" xmlns:r="http://schemas.openxmlformats.org/officeDocument/2006/relationships" xmlns:p="http://schemas.openxmlformats.org/presentationml/2006/main">
+  <p:cSld>
+    <p:spTree>
+      <p:nvGrpSpPr>
+        <p:cNvPr id="1" name=""/>
+        <p:cNvGrpSpPr/>
+        <p:nvPr/>
+      </p:nvGrpSpPr>
+      <p:grpSpPr>
+        <a:xfrm>
+          <a:off x="0" y="0"/>
+          <a:ext cx="0" cy="0"/>
+          <a:chOff x="0" y="0"/>
+          <a:chExt cx="0" cy="0"/>
+        </a:xfrm>
+      </p:grpSpPr>
+      <p:sp>
+        <p:nvSpPr>
+          <p:cNvPr id="5" name="內容版面配置區 4"/>
+          <p:cNvSpPr>
+            <a:spLocks noGrp="1"/>
+          </p:cNvSpPr>
+          <p:nvPr>
+            <p:ph idx="1"/>
+          </p:nvPr>
+        </p:nvSpPr>
+        <p:spPr>
+          <a:xfrm>
+            <a:off x="0" y="2084851"/>
+            <a:ext cx="12192000" cy="2404863"/>
+          </a:xfrm>
+        </p:spPr>
+        <p:txBody>
+          <a:bodyPr anchor="ctr">
+            <a:normAutofit/>
+          </a:bodyPr>
+          <a:lstStyle/>
+          <a:p>
+            <a:pPr algn="ctr">
+              <a:buNone/>
+            </a:pPr>
+            <a:r>
+              <a:rPr lang="zh-TW" altLang="en-US" sz="6400" b="1" dirty="0">
+                <a:solidFill>
+                  <a:srgbClr val="000066"/>
+                </a:solidFill>
+                <a:latin typeface="微軟正黑體" pitchFamily="34" charset="-120"/>
+                <a:ea typeface="微軟正黑體" pitchFamily="34" charset="-120"/>
+              </a:rPr>
+              <a:t>眾聖民齊上前  聯為快樂群</a:t>
+            </a:r>
+            <a:endParaRPr lang="en-US" altLang="zh-TW" sz="6400" b="1" dirty="0">
+              <a:solidFill>
+                <a:srgbClr val="000066"/>
+              </a:solidFill>
+              <a:latin typeface="微軟正黑體" pitchFamily="34" charset="-120"/>
+              <a:ea typeface="微軟正黑體" pitchFamily="34" charset="-120"/>
+            </a:endParaRPr>
+          </a:p>
+          <a:p>
+            <a:pPr algn="ctr">
+              <a:buNone/>
+            </a:pPr>
+            <a:r>
+              <a:rPr lang="zh-TW" altLang="en-US" sz="6400" b="1" dirty="0">
+                <a:solidFill>
+                  <a:srgbClr val="000066"/>
+                </a:solidFill>
+                <a:latin typeface="微軟正黑體" pitchFamily="34" charset="-120"/>
+                <a:ea typeface="微軟正黑體" pitchFamily="34" charset="-120"/>
+              </a:rPr>
+              <a:t>我等歡呼和諧  合發凱歌聲</a:t>
+            </a:r>
+            <a:endParaRPr lang="en-US" altLang="zh-TW" sz="6400" b="1" dirty="0">
+              <a:solidFill>
+                <a:srgbClr val="000066"/>
+              </a:solidFill>
+              <a:latin typeface="微軟正黑體" pitchFamily="34" charset="-120"/>
+              <a:ea typeface="微軟正黑體" pitchFamily="34" charset="-120"/>
+            </a:endParaRPr>
+          </a:p>
+        </p:txBody>
+      </p:sp>
+      <p:sp>
+        <p:nvSpPr>
+          <p:cNvPr id="3" name="TextBox 2"/>
+          <p:cNvSpPr txBox="1"/>
+          <p:nvPr/>
+        </p:nvSpPr>
+        <p:spPr>
+          <a:xfrm>
+            <a:off x="0" y="5061181"/>
+            <a:ext cx="12192000" cy="666786"/>
+          </a:xfrm>
+          <a:prstGeom prst="rect">
+            <a:avLst/>
+          </a:prstGeom>
+          <a:noFill/>
+        </p:spPr>
+        <p:txBody>
+          <a:bodyPr wrap="square" rtlCol="0">
+            <a:spAutoFit/>
+          </a:bodyPr>
+          <a:lstStyle/>
+          <a:p>
+            <a:pPr algn="ctr"/>
+            <a:r>
+              <a:rPr lang="en-US" sz="3733" b="1" dirty="0">
+                <a:solidFill>
+                  <a:srgbClr val="000066"/>
+                </a:solidFill>
+              </a:rPr>
+              <a:t>( 5 / 5 )</a:t>
+            </a:r>
+            <a:endParaRPr lang="vi-VN" sz="3733" b="1" dirty="0">
+              <a:solidFill>
+                <a:srgbClr val="000066"/>
+              </a:solidFill>
+            </a:endParaRPr>
+          </a:p>
+        </p:txBody>
+      </p:sp>
+    </p:spTree>
+    <p:extLst>
+      <p:ext uri="{BB962C8B-B14F-4D97-AF65-F5344CB8AC3E}">
+        <p14:creationId xmlns:p14="http://schemas.microsoft.com/office/powerpoint/2010/main" val="524122054"/>
+      </p:ext>
+    </p:extLst>
+  </p:cSld>
+  <p:clrMapOvr>
+    <a:masterClrMapping/>
+  </p:clrMapOvr>
+  <p:timing>
+    <p:tnLst>
+      <p:par>
+        <p:cTn id="1" dur="indefinite" restart="never" nodeType="tmRoot"/>
+      </p:par>
+    </p:tnLst>
+  </p:timing>
+</p:sld>
+</file>
+
+<file path=ppt/slides/slide15.xml><?xml version="1.0" encoding="utf-8"?>
+<p:sld xmlns:a="http://schemas.openxmlformats.org/drawingml/2006/main" xmlns:r="http://schemas.openxmlformats.org/officeDocument/2006/relationships" xmlns:p="http://schemas.openxmlformats.org/presentationml/2006/main">
+  <p:cSld>
+    <p:spTree>
+      <p:nvGrpSpPr>
+        <p:cNvPr id="1" name=""/>
+        <p:cNvGrpSpPr/>
+        <p:nvPr/>
+      </p:nvGrpSpPr>
+      <p:grpSpPr>
+        <a:xfrm>
+          <a:off x="0" y="0"/>
+          <a:ext cx="0" cy="0"/>
+          <a:chOff x="0" y="0"/>
+          <a:chExt cx="0" cy="0"/>
+        </a:xfrm>
+      </p:grpSpPr>
+      <p:sp>
+        <p:nvSpPr>
+          <p:cNvPr id="5" name="內容版面配置區 4"/>
+          <p:cNvSpPr>
+            <a:spLocks noGrp="1"/>
+          </p:cNvSpPr>
+          <p:nvPr>
+            <p:ph idx="1"/>
+          </p:nvPr>
+        </p:nvSpPr>
+        <p:spPr>
+          <a:xfrm>
+            <a:off x="0" y="2084851"/>
+            <a:ext cx="12192000" cy="2404863"/>
+          </a:xfrm>
+        </p:spPr>
+        <p:txBody>
+          <a:bodyPr anchor="ctr">
+            <a:normAutofit/>
+          </a:bodyPr>
+          <a:lstStyle/>
+          <a:p>
+            <a:pPr algn="ctr">
+              <a:buNone/>
+            </a:pPr>
+            <a:r>
+              <a:rPr lang="zh-TW" altLang="en-US" sz="6400" b="1" dirty="0">
+                <a:solidFill>
+                  <a:srgbClr val="000066"/>
+                </a:solidFill>
+                <a:latin typeface="微軟正黑體" pitchFamily="34" charset="-120"/>
+                <a:ea typeface="微軟正黑體" pitchFamily="34" charset="-120"/>
+              </a:rPr>
+              <a:t>榮耀讚美尊貴  歸與基督王</a:t>
+            </a:r>
+            <a:endParaRPr lang="en-US" altLang="zh-TW" sz="6400" b="1" dirty="0">
+              <a:solidFill>
+                <a:srgbClr val="000066"/>
+              </a:solidFill>
+              <a:latin typeface="微軟正黑體" pitchFamily="34" charset="-120"/>
+              <a:ea typeface="微軟正黑體" pitchFamily="34" charset="-120"/>
+            </a:endParaRPr>
+          </a:p>
+          <a:p>
+            <a:pPr algn="ctr">
+              <a:buNone/>
+            </a:pPr>
+            <a:r>
+              <a:rPr lang="zh-TW" altLang="en-US" sz="6400" b="1" dirty="0">
+                <a:solidFill>
+                  <a:srgbClr val="000066"/>
+                </a:solidFill>
+                <a:latin typeface="微軟正黑體" pitchFamily="34" charset="-120"/>
+                <a:ea typeface="微軟正黑體" pitchFamily="34" charset="-120"/>
+              </a:rPr>
+              <a:t>在無數之年代  人同天使唱</a:t>
+            </a:r>
+            <a:endParaRPr lang="zh-TW" altLang="en-US" sz="6400" b="1" dirty="0">
+              <a:solidFill>
+                <a:srgbClr val="000066"/>
+              </a:solidFill>
+              <a:latin typeface="微軟正黑體" pitchFamily="34" charset="-120"/>
+              <a:ea typeface="微軟正黑體" pitchFamily="34" charset="-120"/>
+            </a:endParaRPr>
+          </a:p>
+        </p:txBody>
+      </p:sp>
+      <p:sp>
+        <p:nvSpPr>
+          <p:cNvPr id="3" name="TextBox 2"/>
+          <p:cNvSpPr txBox="1"/>
+          <p:nvPr/>
+        </p:nvSpPr>
+        <p:spPr>
+          <a:xfrm>
+            <a:off x="0" y="5061181"/>
+            <a:ext cx="12192000" cy="666786"/>
+          </a:xfrm>
+          <a:prstGeom prst="rect">
+            <a:avLst/>
+          </a:prstGeom>
+          <a:noFill/>
+        </p:spPr>
+        <p:txBody>
+          <a:bodyPr wrap="square" rtlCol="0">
+            <a:spAutoFit/>
+          </a:bodyPr>
+          <a:lstStyle/>
+          <a:p>
+            <a:pPr algn="ctr"/>
+            <a:r>
+              <a:rPr lang="en-US" sz="3733" b="1" dirty="0">
+                <a:solidFill>
+                  <a:srgbClr val="000066"/>
+                </a:solidFill>
+              </a:rPr>
+              <a:t>( 5 / 5 )</a:t>
+            </a:r>
+            <a:endParaRPr lang="vi-VN" sz="3733" b="1" dirty="0">
+              <a:solidFill>
+                <a:srgbClr val="000066"/>
+              </a:solidFill>
+            </a:endParaRPr>
+          </a:p>
+        </p:txBody>
+      </p:sp>
+    </p:spTree>
+    <p:extLst>
+      <p:ext uri="{BB962C8B-B14F-4D97-AF65-F5344CB8AC3E}">
+        <p14:creationId xmlns:p14="http://schemas.microsoft.com/office/powerpoint/2010/main" val="2332049653"/>
+      </p:ext>
+    </p:extLst>
+  </p:cSld>
+  <p:clrMapOvr>
+    <a:masterClrMapping/>
+  </p:clrMapOvr>
+  <p:timing>
+    <p:tnLst>
+      <p:par>
+        <p:cTn id="1" dur="indefinite" restart="never" nodeType="tmRoot"/>
+      </p:par>
+    </p:tnLst>
+  </p:timing>
+</p:sld>
+</file>
+
+<file path=ppt/slides/slide16.xml><?xml version="1.0" encoding="utf-8"?>
+<p:sld xmlns:a="http://schemas.openxmlformats.org/drawingml/2006/main" xmlns:r="http://schemas.openxmlformats.org/officeDocument/2006/relationships" xmlns:p="http://schemas.openxmlformats.org/presentationml/2006/main">
+  <p:cSld>
+    <p:spTree>
+      <p:nvGrpSpPr>
+        <p:cNvPr id="1" name=""/>
+        <p:cNvGrpSpPr/>
+        <p:nvPr/>
+      </p:nvGrpSpPr>
+      <p:grpSpPr>
+        <a:xfrm>
+          <a:off x="0" y="0"/>
+          <a:ext cx="0" cy="0"/>
+          <a:chOff x="0" y="0"/>
+          <a:chExt cx="0" cy="0"/>
+        </a:xfrm>
+      </p:grpSpPr>
+      <p:sp>
+        <p:nvSpPr>
+          <p:cNvPr id="5" name="內容版面配置區 4"/>
+          <p:cNvSpPr>
+            <a:spLocks noGrp="1"/>
+          </p:cNvSpPr>
+          <p:nvPr>
+            <p:ph idx="1"/>
+          </p:nvPr>
+        </p:nvSpPr>
+        <p:spPr>
+          <a:xfrm>
+            <a:off x="0" y="2084851"/>
+            <a:ext cx="12192000" cy="2404863"/>
+          </a:xfrm>
+        </p:spPr>
+        <p:txBody>
+          <a:bodyPr anchor="ctr">
+            <a:normAutofit/>
+          </a:bodyPr>
+          <a:lstStyle/>
+          <a:p>
+            <a:pPr algn="ctr">
+              <a:buNone/>
+            </a:pPr>
+            <a:r>
+              <a:rPr lang="zh-TW" altLang="en-US" sz="6400" b="1" dirty="0">
+                <a:solidFill>
+                  <a:srgbClr val="000066"/>
+                </a:solidFill>
+                <a:latin typeface="微軟正黑體" pitchFamily="34" charset="-120"/>
+                <a:ea typeface="微軟正黑體" pitchFamily="34" charset="-120"/>
+              </a:rPr>
+              <a:t>基督精兵前進</a:t>
+            </a:r>
+            <a:r>
+              <a:rPr lang="en-US" altLang="zh-TW" sz="6400" b="1" dirty="0">
+                <a:solidFill>
+                  <a:srgbClr val="000066"/>
+                </a:solidFill>
+                <a:latin typeface="微軟正黑體" pitchFamily="34" charset="-120"/>
+                <a:ea typeface="微軟正黑體" pitchFamily="34" charset="-120"/>
+              </a:rPr>
+              <a:t>  </a:t>
+            </a:r>
+            <a:r>
+              <a:rPr lang="zh-TW" altLang="en-US" sz="6400" b="1" dirty="0">
+                <a:solidFill>
+                  <a:srgbClr val="000066"/>
+                </a:solidFill>
+                <a:latin typeface="微軟正黑體" pitchFamily="34" charset="-120"/>
+                <a:ea typeface="微軟正黑體" pitchFamily="34" charset="-120"/>
+              </a:rPr>
+              <a:t>齊向戰場走</a:t>
+            </a:r>
+            <a:endParaRPr lang="en-US" altLang="zh-TW" sz="6400" b="1" dirty="0">
+              <a:solidFill>
+                <a:srgbClr val="000066"/>
+              </a:solidFill>
+              <a:latin typeface="微軟正黑體" pitchFamily="34" charset="-120"/>
+              <a:ea typeface="微軟正黑體" pitchFamily="34" charset="-120"/>
+            </a:endParaRPr>
+          </a:p>
+          <a:p>
+            <a:pPr algn="ctr">
+              <a:buNone/>
+            </a:pPr>
+            <a:r>
+              <a:rPr lang="zh-TW" altLang="en-US" sz="6400" b="1" dirty="0">
+                <a:solidFill>
+                  <a:srgbClr val="000066"/>
+                </a:solidFill>
+                <a:latin typeface="微軟正黑體" pitchFamily="34" charset="-120"/>
+                <a:ea typeface="微軟正黑體" pitchFamily="34" charset="-120"/>
+              </a:rPr>
+              <a:t>耶穌為我元帥</a:t>
+            </a:r>
+            <a:r>
+              <a:rPr lang="en-US" altLang="zh-TW" sz="6400" b="1" dirty="0">
+                <a:solidFill>
+                  <a:srgbClr val="000066"/>
+                </a:solidFill>
+                <a:latin typeface="微軟正黑體" pitchFamily="34" charset="-120"/>
+                <a:ea typeface="微軟正黑體" pitchFamily="34" charset="-120"/>
+              </a:rPr>
+              <a:t>  </a:t>
+            </a:r>
+            <a:r>
+              <a:rPr lang="zh-TW" altLang="en-US" sz="6400" b="1" dirty="0">
+                <a:solidFill>
+                  <a:srgbClr val="000066"/>
+                </a:solidFill>
+                <a:latin typeface="微軟正黑體" pitchFamily="34" charset="-120"/>
+                <a:ea typeface="微軟正黑體" pitchFamily="34" charset="-120"/>
+              </a:rPr>
+              <a:t>引導在前頭</a:t>
+            </a:r>
+            <a:endParaRPr lang="zh-TW" altLang="en-US" sz="6400" b="1" dirty="0">
+              <a:solidFill>
+                <a:srgbClr val="000066"/>
+              </a:solidFill>
+              <a:latin typeface="微軟正黑體" pitchFamily="34" charset="-120"/>
+              <a:ea typeface="微軟正黑體" pitchFamily="34" charset="-120"/>
+            </a:endParaRPr>
+          </a:p>
+        </p:txBody>
+      </p:sp>
+    </p:spTree>
+    <p:extLst>
+      <p:ext uri="{BB962C8B-B14F-4D97-AF65-F5344CB8AC3E}">
+        <p14:creationId xmlns:p14="http://schemas.microsoft.com/office/powerpoint/2010/main" val="1257119932"/>
+      </p:ext>
+    </p:extLst>
+  </p:cSld>
+  <p:clrMapOvr>
+    <a:masterClrMapping/>
+  </p:clrMapOvr>
+  <p:timing>
+    <p:tnLst>
+      <p:par>
+        <p:cTn id="1" dur="indefinite" restart="never" nodeType="tmRoot"/>
+      </p:par>
+    </p:tnLst>
+  </p:timing>
 </p:sld>
 </file>
 
@@ -3641,30 +4268,40 @@
       </p:grpSpPr>
       <p:sp>
         <p:nvSpPr>
-          <p:cNvPr id="4" name="標題 3"/>
-          <p:cNvSpPr>
-            <a:spLocks noGrp="1"/>
-          </p:cNvSpPr>
-          <p:nvPr>
-            <p:ph type="title"/>
-          </p:nvPr>
-        </p:nvSpPr>
-        <p:spPr/>
-        <p:txBody>
-          <a:bodyPr/>
-          <a:lstStyle/>
-          <a:p>
-            <a:r>
-              <a:rPr lang="zh-TW" altLang="en-US" b="1" dirty="0" smtClean="0">
+          <p:cNvPr id="5" name="內容版面配置區 4"/>
+          <p:cNvSpPr>
+            <a:spLocks noGrp="1"/>
+          </p:cNvSpPr>
+          <p:nvPr>
+            <p:ph idx="1"/>
+          </p:nvPr>
+        </p:nvSpPr>
+        <p:spPr>
+          <a:xfrm>
+            <a:off x="0" y="2084851"/>
+            <a:ext cx="12192000" cy="2404863"/>
+          </a:xfrm>
+        </p:spPr>
+        <p:txBody>
+          <a:bodyPr anchor="ctr">
+            <a:normAutofit/>
+          </a:bodyPr>
+          <a:lstStyle/>
+          <a:p>
+            <a:pPr algn="ctr">
+              <a:buNone/>
+            </a:pPr>
+            <a:r>
+              <a:rPr lang="zh-TW" altLang="en-US" sz="6400" b="1" dirty="0">
                 <a:solidFill>
                   <a:srgbClr val="000066"/>
                 </a:solidFill>
                 <a:latin typeface="微軟正黑體" pitchFamily="34" charset="-120"/>
                 <a:ea typeface="微軟正黑體" pitchFamily="34" charset="-120"/>
               </a:rPr>
-              <a:t>基督精兵前進</a:t>
-            </a:r>
-            <a:endParaRPr lang="zh-TW" altLang="en-US" b="1" dirty="0">
+              <a:t>基督精兵前進  齊向戰場走</a:t>
+            </a:r>
+            <a:endParaRPr lang="en-US" altLang="zh-TW" sz="6400" b="1" dirty="0">
               <a:solidFill>
                 <a:srgbClr val="000066"/>
               </a:solidFill>
@@ -3672,54 +4309,21 @@
               <a:ea typeface="微軟正黑體" pitchFamily="34" charset="-120"/>
             </a:endParaRPr>
           </a:p>
-        </p:txBody>
-      </p:sp>
-      <p:sp>
-        <p:nvSpPr>
-          <p:cNvPr id="5" name="內容版面配置區 4"/>
-          <p:cNvSpPr>
-            <a:spLocks noGrp="1"/>
-          </p:cNvSpPr>
-          <p:nvPr>
-            <p:ph idx="1"/>
-          </p:nvPr>
-        </p:nvSpPr>
-        <p:spPr>
-          <a:xfrm>
-            <a:off x="0" y="1600200"/>
-            <a:ext cx="9144000" cy="5257800"/>
-          </a:xfrm>
-        </p:spPr>
-        <p:txBody>
-          <a:bodyPr>
-            <a:normAutofit/>
-          </a:bodyPr>
-          <a:lstStyle/>
           <a:p>
             <a:pPr algn="ctr">
               <a:buNone/>
             </a:pPr>
             <a:r>
-              <a:rPr lang="zh-TW" altLang="en-US" sz="5400" b="1" dirty="0">
+              <a:rPr lang="zh-TW" altLang="en-US" sz="6400" b="1" dirty="0">
                 <a:solidFill>
                   <a:srgbClr val="000066"/>
                 </a:solidFill>
                 <a:latin typeface="微軟正黑體" pitchFamily="34" charset="-120"/>
                 <a:ea typeface="微軟正黑體" pitchFamily="34" charset="-120"/>
               </a:rPr>
-              <a:t>基督精兵</a:t>
-            </a:r>
-            <a:r>
-              <a:rPr lang="zh-TW" altLang="en-US" sz="5400" b="1" dirty="0" smtClean="0">
-                <a:solidFill>
-                  <a:srgbClr val="000066"/>
-                </a:solidFill>
-                <a:latin typeface="微軟正黑體" pitchFamily="34" charset="-120"/>
-                <a:ea typeface="微軟正黑體" pitchFamily="34" charset="-120"/>
-              </a:rPr>
-              <a:t>前進</a:t>
-            </a:r>
-            <a:endParaRPr lang="en-US" altLang="zh-TW" sz="5400" b="1" dirty="0" smtClean="0">
+              <a:t>耶穌為我元帥  引導在前頭</a:t>
+            </a:r>
+            <a:endParaRPr lang="en-US" altLang="zh-TW" sz="6400" b="1" dirty="0">
               <a:solidFill>
                 <a:srgbClr val="000066"/>
               </a:solidFill>
@@ -3727,139 +4331,64 @@
               <a:ea typeface="微軟正黑體" pitchFamily="34" charset="-120"/>
             </a:endParaRPr>
           </a:p>
-          <a:p>
-            <a:pPr algn="ctr">
-              <a:buNone/>
-            </a:pPr>
-            <a:r>
-              <a:rPr lang="zh-TW" altLang="en-US" sz="5400" b="1" dirty="0" smtClean="0">
-                <a:solidFill>
-                  <a:srgbClr val="000066"/>
-                </a:solidFill>
-                <a:latin typeface="微軟正黑體" pitchFamily="34" charset="-120"/>
-                <a:ea typeface="微軟正黑體" pitchFamily="34" charset="-120"/>
-              </a:rPr>
-              <a:t>齊</a:t>
-            </a:r>
-            <a:r>
-              <a:rPr lang="zh-TW" altLang="en-US" sz="5400" b="1" dirty="0">
-                <a:solidFill>
-                  <a:srgbClr val="000066"/>
-                </a:solidFill>
-                <a:latin typeface="微軟正黑體" pitchFamily="34" charset="-120"/>
-                <a:ea typeface="微軟正黑體" pitchFamily="34" charset="-120"/>
-              </a:rPr>
-              <a:t>向戰場</a:t>
-            </a:r>
-            <a:r>
-              <a:rPr lang="zh-TW" altLang="en-US" sz="5400" b="1" dirty="0" smtClean="0">
-                <a:solidFill>
-                  <a:srgbClr val="000066"/>
-                </a:solidFill>
-                <a:latin typeface="微軟正黑體" pitchFamily="34" charset="-120"/>
-                <a:ea typeface="微軟正黑體" pitchFamily="34" charset="-120"/>
-              </a:rPr>
-              <a:t>走</a:t>
-            </a:r>
-            <a:endParaRPr lang="en-US" altLang="zh-TW" sz="5400" b="1" dirty="0" smtClean="0">
+        </p:txBody>
+      </p:sp>
+      <p:sp>
+        <p:nvSpPr>
+          <p:cNvPr id="3" name="TextBox 2"/>
+          <p:cNvSpPr txBox="1"/>
+          <p:nvPr/>
+        </p:nvSpPr>
+        <p:spPr>
+          <a:xfrm>
+            <a:off x="0" y="5061181"/>
+            <a:ext cx="12192000" cy="666786"/>
+          </a:xfrm>
+          <a:prstGeom prst="rect">
+            <a:avLst/>
+          </a:prstGeom>
+          <a:noFill/>
+        </p:spPr>
+        <p:txBody>
+          <a:bodyPr wrap="square" rtlCol="0">
+            <a:spAutoFit/>
+          </a:bodyPr>
+          <a:lstStyle/>
+          <a:p>
+            <a:pPr algn="ctr"/>
+            <a:r>
+              <a:rPr lang="en-US" sz="3733" b="1" dirty="0">
+                <a:solidFill>
+                  <a:srgbClr val="000066"/>
+                </a:solidFill>
+              </a:rPr>
+              <a:t>( 1 / 5 )</a:t>
+            </a:r>
+            <a:endParaRPr lang="vi-VN" sz="3733" b="1" dirty="0">
               <a:solidFill>
                 <a:srgbClr val="000066"/>
               </a:solidFill>
-              <a:latin typeface="微軟正黑體" pitchFamily="34" charset="-120"/>
-              <a:ea typeface="微軟正黑體" pitchFamily="34" charset="-120"/>
             </a:endParaRPr>
           </a:p>
-          <a:p>
-            <a:pPr algn="ctr">
-              <a:buNone/>
-            </a:pPr>
-            <a:r>
-              <a:rPr lang="zh-TW" altLang="en-US" sz="5400" b="1" dirty="0" smtClean="0">
-                <a:solidFill>
-                  <a:srgbClr val="000066"/>
-                </a:solidFill>
-                <a:latin typeface="微軟正黑體" pitchFamily="34" charset="-120"/>
-                <a:ea typeface="微軟正黑體" pitchFamily="34" charset="-120"/>
-              </a:rPr>
-              <a:t>耶穌</a:t>
-            </a:r>
-            <a:r>
-              <a:rPr lang="zh-TW" altLang="en-US" sz="5400" b="1" dirty="0">
-                <a:solidFill>
-                  <a:srgbClr val="000066"/>
-                </a:solidFill>
-                <a:latin typeface="微軟正黑體" pitchFamily="34" charset="-120"/>
-                <a:ea typeface="微軟正黑體" pitchFamily="34" charset="-120"/>
-              </a:rPr>
-              <a:t>為我</a:t>
-            </a:r>
-            <a:r>
-              <a:rPr lang="zh-TW" altLang="en-US" sz="5400" b="1" dirty="0" smtClean="0">
-                <a:solidFill>
-                  <a:srgbClr val="000066"/>
-                </a:solidFill>
-                <a:latin typeface="微軟正黑體" pitchFamily="34" charset="-120"/>
-                <a:ea typeface="微軟正黑體" pitchFamily="34" charset="-120"/>
-              </a:rPr>
-              <a:t>元帥</a:t>
-            </a:r>
-            <a:endParaRPr lang="en-US" altLang="zh-TW" sz="5400" b="1" dirty="0" smtClean="0">
-              <a:solidFill>
-                <a:srgbClr val="000066"/>
-              </a:solidFill>
-              <a:latin typeface="微軟正黑體" pitchFamily="34" charset="-120"/>
-              <a:ea typeface="微軟正黑體" pitchFamily="34" charset="-120"/>
-            </a:endParaRPr>
-          </a:p>
-          <a:p>
-            <a:pPr algn="ctr">
-              <a:buNone/>
-            </a:pPr>
-            <a:r>
-              <a:rPr lang="zh-TW" altLang="en-US" sz="5400" b="1" dirty="0" smtClean="0">
-                <a:solidFill>
-                  <a:srgbClr val="000066"/>
-                </a:solidFill>
-                <a:latin typeface="微軟正黑體" pitchFamily="34" charset="-120"/>
-                <a:ea typeface="微軟正黑體" pitchFamily="34" charset="-120"/>
-              </a:rPr>
-              <a:t>引導</a:t>
-            </a:r>
-            <a:r>
-              <a:rPr lang="zh-TW" altLang="en-US" sz="5400" b="1" dirty="0">
-                <a:solidFill>
-                  <a:srgbClr val="000066"/>
-                </a:solidFill>
-                <a:latin typeface="微軟正黑體" pitchFamily="34" charset="-120"/>
-                <a:ea typeface="微軟正黑體" pitchFamily="34" charset="-120"/>
-              </a:rPr>
-              <a:t>在</a:t>
-            </a:r>
-            <a:r>
-              <a:rPr lang="zh-TW" altLang="en-US" sz="5400" b="1" dirty="0" smtClean="0">
-                <a:solidFill>
-                  <a:srgbClr val="000066"/>
-                </a:solidFill>
-                <a:latin typeface="微軟正黑體" pitchFamily="34" charset="-120"/>
-                <a:ea typeface="微軟正黑體" pitchFamily="34" charset="-120"/>
-              </a:rPr>
-              <a:t>前頭</a:t>
-            </a:r>
-            <a:endParaRPr lang="zh-TW" altLang="en-US" sz="5400" b="1" dirty="0">
-              <a:solidFill>
-                <a:srgbClr val="000066"/>
-              </a:solidFill>
-              <a:latin typeface="微軟正黑體" pitchFamily="34" charset="-120"/>
-              <a:ea typeface="微軟正黑體" pitchFamily="34" charset="-120"/>
-            </a:endParaRPr>
-          </a:p>
         </p:txBody>
       </p:sp>
     </p:spTree>
+    <p:extLst>
+      <p:ext uri="{BB962C8B-B14F-4D97-AF65-F5344CB8AC3E}">
+        <p14:creationId xmlns:p14="http://schemas.microsoft.com/office/powerpoint/2010/main" val="2018552214"/>
+      </p:ext>
+    </p:extLst>
   </p:cSld>
   <p:clrMapOvr>
     <a:masterClrMapping/>
   </p:clrMapOvr>
+  <p:timing>
+    <p:tnLst>
+      <p:par>
+        <p:cTn id="1" dur="indefinite" restart="never" nodeType="tmRoot"/>
+      </p:par>
+    </p:tnLst>
+  </p:timing>
 </p:sld>
 </file>
 
@@ -3882,30 +4411,40 @@
       </p:grpSpPr>
       <p:sp>
         <p:nvSpPr>
-          <p:cNvPr id="4" name="標題 3"/>
-          <p:cNvSpPr>
-            <a:spLocks noGrp="1"/>
-          </p:cNvSpPr>
-          <p:nvPr>
-            <p:ph type="title"/>
-          </p:nvPr>
-        </p:nvSpPr>
-        <p:spPr/>
-        <p:txBody>
-          <a:bodyPr/>
-          <a:lstStyle/>
-          <a:p>
-            <a:r>
-              <a:rPr lang="zh-TW" altLang="en-US" b="1" dirty="0" smtClean="0">
+          <p:cNvPr id="5" name="內容版面配置區 4"/>
+          <p:cNvSpPr>
+            <a:spLocks noGrp="1"/>
+          </p:cNvSpPr>
+          <p:nvPr>
+            <p:ph idx="1"/>
+          </p:nvPr>
+        </p:nvSpPr>
+        <p:spPr>
+          <a:xfrm>
+            <a:off x="0" y="2084851"/>
+            <a:ext cx="12192000" cy="2404863"/>
+          </a:xfrm>
+        </p:spPr>
+        <p:txBody>
+          <a:bodyPr anchor="ctr">
+            <a:normAutofit/>
+          </a:bodyPr>
+          <a:lstStyle/>
+          <a:p>
+            <a:pPr algn="ctr">
+              <a:buNone/>
+            </a:pPr>
+            <a:r>
+              <a:rPr lang="zh-TW" altLang="en-US" sz="6400" b="1" dirty="0">
                 <a:solidFill>
                   <a:srgbClr val="000066"/>
                 </a:solidFill>
                 <a:latin typeface="微軟正黑體" pitchFamily="34" charset="-120"/>
                 <a:ea typeface="微軟正黑體" pitchFamily="34" charset="-120"/>
               </a:rPr>
-              <a:t>基督精兵前進</a:t>
-            </a:r>
-            <a:endParaRPr lang="zh-TW" altLang="en-US" b="1" dirty="0">
+              <a:t>永為王之基督  帶領攻仇敵</a:t>
+            </a:r>
+            <a:endParaRPr lang="en-US" altLang="zh-TW" sz="6400" b="1" dirty="0">
               <a:solidFill>
                 <a:srgbClr val="000066"/>
               </a:solidFill>
@@ -3913,74 +4452,21 @@
               <a:ea typeface="微軟正黑體" pitchFamily="34" charset="-120"/>
             </a:endParaRPr>
           </a:p>
-        </p:txBody>
-      </p:sp>
-      <p:sp>
-        <p:nvSpPr>
-          <p:cNvPr id="5" name="內容版面配置區 4"/>
-          <p:cNvSpPr>
-            <a:spLocks noGrp="1"/>
-          </p:cNvSpPr>
-          <p:nvPr>
-            <p:ph idx="1"/>
-          </p:nvPr>
-        </p:nvSpPr>
-        <p:spPr>
-          <a:xfrm>
-            <a:off x="0" y="1600200"/>
-            <a:ext cx="9144000" cy="5257800"/>
-          </a:xfrm>
-        </p:spPr>
-        <p:txBody>
-          <a:bodyPr>
-            <a:normAutofit/>
-          </a:bodyPr>
-          <a:lstStyle/>
           <a:p>
             <a:pPr algn="ctr">
               <a:buNone/>
             </a:pPr>
             <a:r>
-              <a:rPr lang="zh-TW" altLang="en-US" sz="5400" b="1" dirty="0">
+              <a:rPr lang="zh-TW" altLang="en-US" sz="6400" b="1" dirty="0">
                 <a:solidFill>
                   <a:srgbClr val="000066"/>
                 </a:solidFill>
                 <a:latin typeface="微軟正黑體" pitchFamily="34" charset="-120"/>
                 <a:ea typeface="微軟正黑體" pitchFamily="34" charset="-120"/>
               </a:rPr>
-              <a:t>見此得勝</a:t>
-            </a:r>
-            <a:r>
-              <a:rPr lang="zh-TW" altLang="en-US" sz="5400" b="1" dirty="0" smtClean="0">
-                <a:solidFill>
-                  <a:srgbClr val="000066"/>
-                </a:solidFill>
-                <a:latin typeface="微軟正黑體" pitchFamily="34" charset="-120"/>
-                <a:ea typeface="微軟正黑體" pitchFamily="34" charset="-120"/>
-              </a:rPr>
-              <a:t>旗號  撒</a:t>
-            </a:r>
-            <a:r>
-              <a:rPr lang="zh-TW" altLang="en-US" sz="5400" b="1" dirty="0">
-                <a:solidFill>
-                  <a:srgbClr val="000066"/>
-                </a:solidFill>
-                <a:latin typeface="微軟正黑體" pitchFamily="34" charset="-120"/>
-                <a:ea typeface="微軟正黑體" pitchFamily="34" charset="-120"/>
-              </a:rPr>
-              <a:t>但軍</a:t>
-            </a:r>
-            <a:r>
-              <a:rPr lang="zh-TW" altLang="en-US" sz="5400" b="1" dirty="0" smtClean="0">
-                <a:solidFill>
-                  <a:srgbClr val="000066"/>
-                </a:solidFill>
-                <a:latin typeface="微軟正黑體" pitchFamily="34" charset="-120"/>
-                <a:ea typeface="微軟正黑體" pitchFamily="34" charset="-120"/>
-              </a:rPr>
-              <a:t>逃遁</a:t>
-            </a:r>
-            <a:endParaRPr lang="en-US" altLang="zh-TW" sz="5400" b="1" dirty="0" smtClean="0">
+              <a:t>看祂旗幟前進  已到戰陣地</a:t>
+            </a:r>
+            <a:endParaRPr lang="zh-TW" altLang="en-US" sz="6400" b="1" dirty="0">
               <a:solidFill>
                 <a:srgbClr val="000066"/>
               </a:solidFill>
@@ -3988,182 +4474,64 @@
               <a:ea typeface="微軟正黑體" pitchFamily="34" charset="-120"/>
             </a:endParaRPr>
           </a:p>
-          <a:p>
-            <a:pPr algn="ctr">
-              <a:buNone/>
-            </a:pPr>
-            <a:r>
-              <a:rPr lang="zh-TW" altLang="en-US" sz="5400" b="1" dirty="0" smtClean="0">
-                <a:solidFill>
-                  <a:srgbClr val="000066"/>
-                </a:solidFill>
-                <a:latin typeface="微軟正黑體" pitchFamily="34" charset="-120"/>
-                <a:ea typeface="微軟正黑體" pitchFamily="34" charset="-120"/>
-              </a:rPr>
-              <a:t>凡</a:t>
-            </a:r>
-            <a:r>
-              <a:rPr lang="zh-TW" altLang="en-US" sz="5400" b="1" dirty="0">
-                <a:solidFill>
-                  <a:srgbClr val="000066"/>
-                </a:solidFill>
-                <a:latin typeface="微軟正黑體" pitchFamily="34" charset="-120"/>
-                <a:ea typeface="微軟正黑體" pitchFamily="34" charset="-120"/>
-              </a:rPr>
-              <a:t>屬基督</a:t>
-            </a:r>
-            <a:r>
-              <a:rPr lang="zh-TW" altLang="en-US" sz="5400" b="1" dirty="0" smtClean="0">
-                <a:solidFill>
-                  <a:srgbClr val="000066"/>
-                </a:solidFill>
-                <a:latin typeface="微軟正黑體" pitchFamily="34" charset="-120"/>
-                <a:ea typeface="微軟正黑體" pitchFamily="34" charset="-120"/>
-              </a:rPr>
-              <a:t>精兵  都</a:t>
-            </a:r>
-            <a:r>
-              <a:rPr lang="zh-TW" altLang="en-US" sz="5400" b="1" dirty="0">
-                <a:solidFill>
-                  <a:srgbClr val="000066"/>
-                </a:solidFill>
-                <a:latin typeface="微軟正黑體" pitchFamily="34" charset="-120"/>
-                <a:ea typeface="微軟正黑體" pitchFamily="34" charset="-120"/>
-              </a:rPr>
-              <a:t>該向</a:t>
-            </a:r>
-            <a:r>
-              <a:rPr lang="zh-TW" altLang="en-US" sz="5400" b="1" dirty="0" smtClean="0">
-                <a:solidFill>
-                  <a:srgbClr val="000066"/>
-                </a:solidFill>
-                <a:latin typeface="微軟正黑體" pitchFamily="34" charset="-120"/>
-                <a:ea typeface="微軟正黑體" pitchFamily="34" charset="-120"/>
-              </a:rPr>
-              <a:t>前進</a:t>
-            </a:r>
-            <a:endParaRPr lang="en-US" altLang="zh-TW" sz="5400" b="1" dirty="0">
+        </p:txBody>
+      </p:sp>
+      <p:sp>
+        <p:nvSpPr>
+          <p:cNvPr id="3" name="TextBox 2"/>
+          <p:cNvSpPr txBox="1"/>
+          <p:nvPr/>
+        </p:nvSpPr>
+        <p:spPr>
+          <a:xfrm>
+            <a:off x="0" y="5061181"/>
+            <a:ext cx="12192000" cy="666786"/>
+          </a:xfrm>
+          <a:prstGeom prst="rect">
+            <a:avLst/>
+          </a:prstGeom>
+          <a:noFill/>
+        </p:spPr>
+        <p:txBody>
+          <a:bodyPr wrap="square" rtlCol="0">
+            <a:spAutoFit/>
+          </a:bodyPr>
+          <a:lstStyle/>
+          <a:p>
+            <a:pPr algn="ctr"/>
+            <a:r>
+              <a:rPr lang="en-US" sz="3733" b="1" dirty="0">
+                <a:solidFill>
+                  <a:srgbClr val="000066"/>
+                </a:solidFill>
+              </a:rPr>
+              <a:t>( 1 / 5 )</a:t>
+            </a:r>
+            <a:endParaRPr lang="vi-VN" sz="3733" b="1" dirty="0">
               <a:solidFill>
                 <a:srgbClr val="000066"/>
               </a:solidFill>
-              <a:latin typeface="微軟正黑體" pitchFamily="34" charset="-120"/>
-              <a:ea typeface="微軟正黑體" pitchFamily="34" charset="-120"/>
             </a:endParaRPr>
           </a:p>
-          <a:p>
-            <a:pPr algn="ctr">
-              <a:buNone/>
-            </a:pPr>
-            <a:r>
-              <a:rPr lang="zh-TW" altLang="en-US" sz="5400" b="1" dirty="0" smtClean="0">
-                <a:solidFill>
-                  <a:srgbClr val="000066"/>
-                </a:solidFill>
-                <a:latin typeface="微軟正黑體" pitchFamily="34" charset="-120"/>
-                <a:ea typeface="微軟正黑體" pitchFamily="34" charset="-120"/>
-              </a:rPr>
-              <a:t>凱歌</a:t>
-            </a:r>
-            <a:r>
-              <a:rPr lang="zh-TW" altLang="en-US" sz="5400" b="1" dirty="0">
-                <a:solidFill>
-                  <a:srgbClr val="000066"/>
-                </a:solidFill>
-                <a:latin typeface="微軟正黑體" pitchFamily="34" charset="-120"/>
-                <a:ea typeface="微軟正黑體" pitchFamily="34" charset="-120"/>
-              </a:rPr>
-              <a:t>遍地</a:t>
-            </a:r>
-            <a:r>
-              <a:rPr lang="zh-TW" altLang="en-US" sz="5400" b="1" dirty="0" smtClean="0">
-                <a:solidFill>
-                  <a:srgbClr val="000066"/>
-                </a:solidFill>
-                <a:latin typeface="微軟正黑體" pitchFamily="34" charset="-120"/>
-                <a:ea typeface="微軟正黑體" pitchFamily="34" charset="-120"/>
-              </a:rPr>
-              <a:t>高唱  地獄</a:t>
-            </a:r>
-            <a:r>
-              <a:rPr lang="zh-TW" altLang="en-US" sz="5400" b="1" dirty="0">
-                <a:solidFill>
-                  <a:srgbClr val="000066"/>
-                </a:solidFill>
-                <a:latin typeface="微軟正黑體" pitchFamily="34" charset="-120"/>
-                <a:ea typeface="微軟正黑體" pitchFamily="34" charset="-120"/>
-              </a:rPr>
-              <a:t>皆</a:t>
-            </a:r>
-            <a:r>
-              <a:rPr lang="zh-TW" altLang="en-US" sz="5400" b="1" dirty="0" smtClean="0">
-                <a:solidFill>
-                  <a:srgbClr val="000066"/>
-                </a:solidFill>
-                <a:latin typeface="微軟正黑體" pitchFamily="34" charset="-120"/>
-                <a:ea typeface="微軟正黑體" pitchFamily="34" charset="-120"/>
-              </a:rPr>
-              <a:t>震動</a:t>
-            </a:r>
-            <a:endParaRPr lang="en-US" altLang="zh-TW" sz="5400" b="1" dirty="0" smtClean="0">
-              <a:solidFill>
-                <a:srgbClr val="000066"/>
-              </a:solidFill>
-              <a:latin typeface="微軟正黑體" pitchFamily="34" charset="-120"/>
-              <a:ea typeface="微軟正黑體" pitchFamily="34" charset="-120"/>
-            </a:endParaRPr>
-          </a:p>
-          <a:p>
-            <a:pPr algn="ctr">
-              <a:buNone/>
-            </a:pPr>
-            <a:r>
-              <a:rPr lang="zh-TW" altLang="en-US" sz="5400" b="1" dirty="0" smtClean="0">
-                <a:solidFill>
-                  <a:srgbClr val="000066"/>
-                </a:solidFill>
-                <a:latin typeface="微軟正黑體" pitchFamily="34" charset="-120"/>
-                <a:ea typeface="微軟正黑體" pitchFamily="34" charset="-120"/>
-              </a:rPr>
-              <a:t>弟兄</a:t>
-            </a:r>
-            <a:r>
-              <a:rPr lang="zh-TW" altLang="en-US" sz="5400" b="1" dirty="0">
-                <a:solidFill>
-                  <a:srgbClr val="000066"/>
-                </a:solidFill>
-                <a:latin typeface="微軟正黑體" pitchFamily="34" charset="-120"/>
-                <a:ea typeface="微軟正黑體" pitchFamily="34" charset="-120"/>
-              </a:rPr>
-              <a:t>高聲同</a:t>
-            </a:r>
-            <a:r>
-              <a:rPr lang="zh-TW" altLang="en-US" sz="5400" b="1" dirty="0" smtClean="0">
-                <a:solidFill>
-                  <a:srgbClr val="000066"/>
-                </a:solidFill>
-                <a:latin typeface="微軟正黑體" pitchFamily="34" charset="-120"/>
-                <a:ea typeface="微軟正黑體" pitchFamily="34" charset="-120"/>
-              </a:rPr>
-              <a:t>唱  頌讚</a:t>
-            </a:r>
-            <a:r>
-              <a:rPr lang="zh-TW" altLang="en-US" sz="5400" b="1" dirty="0">
-                <a:solidFill>
-                  <a:srgbClr val="000066"/>
-                </a:solidFill>
-                <a:latin typeface="微軟正黑體" pitchFamily="34" charset="-120"/>
-                <a:ea typeface="微軟正黑體" pitchFamily="34" charset="-120"/>
-              </a:rPr>
-              <a:t>主無窮</a:t>
-            </a:r>
-          </a:p>
         </p:txBody>
       </p:sp>
     </p:spTree>
+    <p:extLst>
+      <p:ext uri="{BB962C8B-B14F-4D97-AF65-F5344CB8AC3E}">
+        <p14:creationId xmlns:p14="http://schemas.microsoft.com/office/powerpoint/2010/main" val="1823166693"/>
+      </p:ext>
+    </p:extLst>
   </p:cSld>
   <p:clrMapOvr>
     <a:masterClrMapping/>
   </p:clrMapOvr>
+  <p:timing>
+    <p:tnLst>
+      <p:par>
+        <p:cTn id="1" dur="indefinite" restart="never" nodeType="tmRoot"/>
+      </p:par>
+    </p:tnLst>
+  </p:timing>
 </p:sld>
 </file>
 
@@ -4186,21 +4554,31 @@
       </p:grpSpPr>
       <p:sp>
         <p:nvSpPr>
-          <p:cNvPr id="4" name="標題 3"/>
-          <p:cNvSpPr>
-            <a:spLocks noGrp="1"/>
-          </p:cNvSpPr>
-          <p:nvPr>
-            <p:ph type="title"/>
-          </p:nvPr>
-        </p:nvSpPr>
-        <p:spPr/>
-        <p:txBody>
-          <a:bodyPr/>
-          <a:lstStyle/>
-          <a:p>
-            <a:r>
-              <a:rPr lang="zh-TW" altLang="en-US" b="1" dirty="0" smtClean="0">
+          <p:cNvPr id="5" name="內容版面配置區 4"/>
+          <p:cNvSpPr>
+            <a:spLocks noGrp="1"/>
+          </p:cNvSpPr>
+          <p:nvPr>
+            <p:ph idx="1"/>
+          </p:nvPr>
+        </p:nvSpPr>
+        <p:spPr>
+          <a:xfrm>
+            <a:off x="0" y="2084851"/>
+            <a:ext cx="12192000" cy="2404863"/>
+          </a:xfrm>
+        </p:spPr>
+        <p:txBody>
+          <a:bodyPr anchor="ctr">
+            <a:normAutofit/>
+          </a:bodyPr>
+          <a:lstStyle/>
+          <a:p>
+            <a:pPr algn="ctr">
+              <a:buNone/>
+            </a:pPr>
+            <a:r>
+              <a:rPr lang="zh-TW" altLang="en-US" sz="6400" b="1" dirty="0">
                 <a:solidFill>
                   <a:srgbClr val="000066"/>
                 </a:solidFill>
@@ -4209,7 +4587,27 @@
               </a:rPr>
               <a:t>基督精兵前進</a:t>
             </a:r>
-            <a:endParaRPr lang="zh-TW" altLang="en-US" b="1" dirty="0">
+            <a:r>
+              <a:rPr lang="en-US" altLang="zh-TW" sz="6400" b="1" dirty="0">
+                <a:solidFill>
+                  <a:srgbClr val="000066"/>
+                </a:solidFill>
+                <a:latin typeface="微軟正黑體" pitchFamily="34" charset="-120"/>
+                <a:ea typeface="微軟正黑體" pitchFamily="34" charset="-120"/>
+              </a:rPr>
+              <a:t>  </a:t>
+            </a:r>
+            <a:r>
+              <a:rPr lang="zh-TW" altLang="en-US" sz="6400" b="1" dirty="0">
+                <a:solidFill>
+                  <a:srgbClr val="000066"/>
+                </a:solidFill>
+                <a:latin typeface="微軟正黑體" pitchFamily="34" charset="-120"/>
+                <a:ea typeface="微軟正黑體" pitchFamily="34" charset="-120"/>
+              </a:rPr>
+              <a:t>齊向戰場走</a:t>
+            </a:r>
+            <a:endParaRPr lang="en-US" altLang="zh-TW" sz="6400" b="1" dirty="0">
               <a:solidFill>
                 <a:srgbClr val="000066"/>
               </a:solidFill>
@@ -4217,54 +4615,41 @@
               <a:ea typeface="微軟正黑體" pitchFamily="34" charset="-120"/>
             </a:endParaRPr>
           </a:p>
-        </p:txBody>
-      </p:sp>
-      <p:sp>
-        <p:nvSpPr>
-          <p:cNvPr id="5" name="內容版面配置區 4"/>
-          <p:cNvSpPr>
-            <a:spLocks noGrp="1"/>
-          </p:cNvSpPr>
-          <p:nvPr>
-            <p:ph idx="1"/>
-          </p:nvPr>
-        </p:nvSpPr>
-        <p:spPr>
-          <a:xfrm>
-            <a:off x="0" y="1600200"/>
-            <a:ext cx="9144000" cy="5257800"/>
-          </a:xfrm>
-        </p:spPr>
-        <p:txBody>
-          <a:bodyPr>
-            <a:normAutofit/>
-          </a:bodyPr>
-          <a:lstStyle/>
           <a:p>
             <a:pPr algn="ctr">
               <a:buNone/>
             </a:pPr>
             <a:r>
-              <a:rPr lang="zh-TW" altLang="en-US" sz="5400" b="1" dirty="0">
+              <a:rPr lang="zh-TW" altLang="en-US" sz="6400" b="1" dirty="0">
                 <a:solidFill>
                   <a:srgbClr val="000066"/>
                 </a:solidFill>
                 <a:latin typeface="微軟正黑體" pitchFamily="34" charset="-120"/>
                 <a:ea typeface="微軟正黑體" pitchFamily="34" charset="-120"/>
               </a:rPr>
-              <a:t>基督精兵</a:t>
-            </a:r>
-            <a:r>
-              <a:rPr lang="zh-TW" altLang="en-US" sz="5400" b="1" dirty="0" smtClean="0">
+              <a:t>耶穌為我元帥</a:t>
+            </a:r>
+            <a:r>
+              <a:rPr lang="en-US" altLang="zh-TW" sz="6400" b="1" dirty="0">
                 <a:solidFill>
                   <a:srgbClr val="000066"/>
                 </a:solidFill>
                 <a:latin typeface="微軟正黑體" pitchFamily="34" charset="-120"/>
                 <a:ea typeface="微軟正黑體" pitchFamily="34" charset="-120"/>
               </a:rPr>
-              <a:t>前進</a:t>
-            </a:r>
-            <a:endParaRPr lang="en-US" altLang="zh-TW" sz="5400" b="1" dirty="0" smtClean="0">
+              <a:t>  </a:t>
+            </a:r>
+            <a:r>
+              <a:rPr lang="zh-TW" altLang="en-US" sz="6400" b="1" dirty="0">
+                <a:solidFill>
+                  <a:srgbClr val="000066"/>
+                </a:solidFill>
+                <a:latin typeface="微軟正黑體" pitchFamily="34" charset="-120"/>
+                <a:ea typeface="微軟正黑體" pitchFamily="34" charset="-120"/>
+              </a:rPr>
+              <a:t>引導在前頭</a:t>
+            </a:r>
+            <a:endParaRPr lang="zh-TW" altLang="en-US" sz="6400" b="1" dirty="0">
               <a:solidFill>
                 <a:srgbClr val="000066"/>
               </a:solidFill>
@@ -4272,139 +4657,25 @@
               <a:ea typeface="微軟正黑體" pitchFamily="34" charset="-120"/>
             </a:endParaRPr>
           </a:p>
-          <a:p>
-            <a:pPr algn="ctr">
-              <a:buNone/>
-            </a:pPr>
-            <a:r>
-              <a:rPr lang="zh-TW" altLang="en-US" sz="5400" b="1" dirty="0" smtClean="0">
-                <a:solidFill>
-                  <a:srgbClr val="000066"/>
-                </a:solidFill>
-                <a:latin typeface="微軟正黑體" pitchFamily="34" charset="-120"/>
-                <a:ea typeface="微軟正黑體" pitchFamily="34" charset="-120"/>
-              </a:rPr>
-              <a:t>齊</a:t>
-            </a:r>
-            <a:r>
-              <a:rPr lang="zh-TW" altLang="en-US" sz="5400" b="1" dirty="0">
-                <a:solidFill>
-                  <a:srgbClr val="000066"/>
-                </a:solidFill>
-                <a:latin typeface="微軟正黑體" pitchFamily="34" charset="-120"/>
-                <a:ea typeface="微軟正黑體" pitchFamily="34" charset="-120"/>
-              </a:rPr>
-              <a:t>向戰場</a:t>
-            </a:r>
-            <a:r>
-              <a:rPr lang="zh-TW" altLang="en-US" sz="5400" b="1" dirty="0" smtClean="0">
-                <a:solidFill>
-                  <a:srgbClr val="000066"/>
-                </a:solidFill>
-                <a:latin typeface="微軟正黑體" pitchFamily="34" charset="-120"/>
-                <a:ea typeface="微軟正黑體" pitchFamily="34" charset="-120"/>
-              </a:rPr>
-              <a:t>走</a:t>
-            </a:r>
-            <a:endParaRPr lang="en-US" altLang="zh-TW" sz="5400" b="1" dirty="0" smtClean="0">
-              <a:solidFill>
-                <a:srgbClr val="000066"/>
-              </a:solidFill>
-              <a:latin typeface="微軟正黑體" pitchFamily="34" charset="-120"/>
-              <a:ea typeface="微軟正黑體" pitchFamily="34" charset="-120"/>
-            </a:endParaRPr>
-          </a:p>
-          <a:p>
-            <a:pPr algn="ctr">
-              <a:buNone/>
-            </a:pPr>
-            <a:r>
-              <a:rPr lang="zh-TW" altLang="en-US" sz="5400" b="1" dirty="0" smtClean="0">
-                <a:solidFill>
-                  <a:srgbClr val="000066"/>
-                </a:solidFill>
-                <a:latin typeface="微軟正黑體" pitchFamily="34" charset="-120"/>
-                <a:ea typeface="微軟正黑體" pitchFamily="34" charset="-120"/>
-              </a:rPr>
-              <a:t>耶穌</a:t>
-            </a:r>
-            <a:r>
-              <a:rPr lang="zh-TW" altLang="en-US" sz="5400" b="1" dirty="0">
-                <a:solidFill>
-                  <a:srgbClr val="000066"/>
-                </a:solidFill>
-                <a:latin typeface="微軟正黑體" pitchFamily="34" charset="-120"/>
-                <a:ea typeface="微軟正黑體" pitchFamily="34" charset="-120"/>
-              </a:rPr>
-              <a:t>為我</a:t>
-            </a:r>
-            <a:r>
-              <a:rPr lang="zh-TW" altLang="en-US" sz="5400" b="1" dirty="0" smtClean="0">
-                <a:solidFill>
-                  <a:srgbClr val="000066"/>
-                </a:solidFill>
-                <a:latin typeface="微軟正黑體" pitchFamily="34" charset="-120"/>
-                <a:ea typeface="微軟正黑體" pitchFamily="34" charset="-120"/>
-              </a:rPr>
-              <a:t>元帥</a:t>
-            </a:r>
-            <a:endParaRPr lang="en-US" altLang="zh-TW" sz="5400" b="1" dirty="0" smtClean="0">
-              <a:solidFill>
-                <a:srgbClr val="000066"/>
-              </a:solidFill>
-              <a:latin typeface="微軟正黑體" pitchFamily="34" charset="-120"/>
-              <a:ea typeface="微軟正黑體" pitchFamily="34" charset="-120"/>
-            </a:endParaRPr>
-          </a:p>
-          <a:p>
-            <a:pPr algn="ctr">
-              <a:buNone/>
-            </a:pPr>
-            <a:r>
-              <a:rPr lang="zh-TW" altLang="en-US" sz="5400" b="1" dirty="0" smtClean="0">
-                <a:solidFill>
-                  <a:srgbClr val="000066"/>
-                </a:solidFill>
-                <a:latin typeface="微軟正黑體" pitchFamily="34" charset="-120"/>
-                <a:ea typeface="微軟正黑體" pitchFamily="34" charset="-120"/>
-              </a:rPr>
-              <a:t>引導</a:t>
-            </a:r>
-            <a:r>
-              <a:rPr lang="zh-TW" altLang="en-US" sz="5400" b="1" dirty="0">
-                <a:solidFill>
-                  <a:srgbClr val="000066"/>
-                </a:solidFill>
-                <a:latin typeface="微軟正黑體" pitchFamily="34" charset="-120"/>
-                <a:ea typeface="微軟正黑體" pitchFamily="34" charset="-120"/>
-              </a:rPr>
-              <a:t>在</a:t>
-            </a:r>
-            <a:r>
-              <a:rPr lang="zh-TW" altLang="en-US" sz="5400" b="1" dirty="0" smtClean="0">
-                <a:solidFill>
-                  <a:srgbClr val="000066"/>
-                </a:solidFill>
-                <a:latin typeface="微軟正黑體" pitchFamily="34" charset="-120"/>
-                <a:ea typeface="微軟正黑體" pitchFamily="34" charset="-120"/>
-              </a:rPr>
-              <a:t>前頭</a:t>
-            </a:r>
-            <a:endParaRPr lang="zh-TW" altLang="en-US" sz="5400" b="1" dirty="0">
-              <a:solidFill>
-                <a:srgbClr val="000066"/>
-              </a:solidFill>
-              <a:latin typeface="微軟正黑體" pitchFamily="34" charset="-120"/>
-              <a:ea typeface="微軟正黑體" pitchFamily="34" charset="-120"/>
-            </a:endParaRPr>
-          </a:p>
         </p:txBody>
       </p:sp>
     </p:spTree>
+    <p:extLst>
+      <p:ext uri="{BB962C8B-B14F-4D97-AF65-F5344CB8AC3E}">
+        <p14:creationId xmlns:p14="http://schemas.microsoft.com/office/powerpoint/2010/main" val="2611772120"/>
+      </p:ext>
+    </p:extLst>
   </p:cSld>
   <p:clrMapOvr>
     <a:masterClrMapping/>
   </p:clrMapOvr>
+  <p:timing>
+    <p:tnLst>
+      <p:par>
+        <p:cTn id="1" dur="indefinite" restart="never" nodeType="tmRoot"/>
+      </p:par>
+    </p:tnLst>
+  </p:timing>
 </p:sld>
 </file>
 
@@ -4427,30 +4698,40 @@
       </p:grpSpPr>
       <p:sp>
         <p:nvSpPr>
-          <p:cNvPr id="4" name="標題 3"/>
-          <p:cNvSpPr>
-            <a:spLocks noGrp="1"/>
-          </p:cNvSpPr>
-          <p:nvPr>
-            <p:ph type="title"/>
-          </p:nvPr>
-        </p:nvSpPr>
-        <p:spPr/>
-        <p:txBody>
-          <a:bodyPr/>
-          <a:lstStyle/>
-          <a:p>
-            <a:r>
-              <a:rPr lang="zh-TW" altLang="en-US" b="1" dirty="0" smtClean="0">
+          <p:cNvPr id="5" name="內容版面配置區 4"/>
+          <p:cNvSpPr>
+            <a:spLocks noGrp="1"/>
+          </p:cNvSpPr>
+          <p:nvPr>
+            <p:ph idx="1"/>
+          </p:nvPr>
+        </p:nvSpPr>
+        <p:spPr>
+          <a:xfrm>
+            <a:off x="0" y="2084851"/>
+            <a:ext cx="12192000" cy="2404863"/>
+          </a:xfrm>
+        </p:spPr>
+        <p:txBody>
+          <a:bodyPr anchor="ctr">
+            <a:normAutofit/>
+          </a:bodyPr>
+          <a:lstStyle/>
+          <a:p>
+            <a:pPr algn="ctr">
+              <a:buNone/>
+            </a:pPr>
+            <a:r>
+              <a:rPr lang="zh-TW" altLang="en-US" sz="6400" b="1" dirty="0">
                 <a:solidFill>
                   <a:srgbClr val="000066"/>
                 </a:solidFill>
                 <a:latin typeface="微軟正黑體" pitchFamily="34" charset="-120"/>
                 <a:ea typeface="微軟正黑體" pitchFamily="34" charset="-120"/>
               </a:rPr>
-              <a:t>基督精兵前進</a:t>
-            </a:r>
-            <a:endParaRPr lang="zh-TW" altLang="en-US" b="1" dirty="0">
+              <a:t>見此得勝旗號  撒但軍逃遁</a:t>
+            </a:r>
+            <a:endParaRPr lang="en-US" altLang="zh-TW" sz="6400" b="1" dirty="0">
               <a:solidFill>
                 <a:srgbClr val="000066"/>
               </a:solidFill>
@@ -4458,74 +4739,21 @@
               <a:ea typeface="微軟正黑體" pitchFamily="34" charset="-120"/>
             </a:endParaRPr>
           </a:p>
-        </p:txBody>
-      </p:sp>
-      <p:sp>
-        <p:nvSpPr>
-          <p:cNvPr id="5" name="內容版面配置區 4"/>
-          <p:cNvSpPr>
-            <a:spLocks noGrp="1"/>
-          </p:cNvSpPr>
-          <p:nvPr>
-            <p:ph idx="1"/>
-          </p:nvPr>
-        </p:nvSpPr>
-        <p:spPr>
-          <a:xfrm>
-            <a:off x="0" y="1600200"/>
-            <a:ext cx="9144000" cy="5257800"/>
-          </a:xfrm>
-        </p:spPr>
-        <p:txBody>
-          <a:bodyPr>
-            <a:normAutofit/>
-          </a:bodyPr>
-          <a:lstStyle/>
           <a:p>
             <a:pPr algn="ctr">
               <a:buNone/>
             </a:pPr>
             <a:r>
-              <a:rPr lang="zh-TW" altLang="en-US" sz="5400" b="1" dirty="0">
+              <a:rPr lang="zh-TW" altLang="en-US" sz="6400" b="1" dirty="0">
                 <a:solidFill>
                   <a:srgbClr val="000066"/>
                 </a:solidFill>
                 <a:latin typeface="微軟正黑體" pitchFamily="34" charset="-120"/>
                 <a:ea typeface="微軟正黑體" pitchFamily="34" charset="-120"/>
               </a:rPr>
-              <a:t>基督聖教</a:t>
-            </a:r>
-            <a:r>
-              <a:rPr lang="zh-TW" altLang="en-US" sz="5400" b="1" dirty="0" smtClean="0">
-                <a:solidFill>
-                  <a:srgbClr val="000066"/>
-                </a:solidFill>
-                <a:latin typeface="微軟正黑體" pitchFamily="34" charset="-120"/>
-                <a:ea typeface="微軟正黑體" pitchFamily="34" charset="-120"/>
-              </a:rPr>
-              <a:t>上前  猶如</a:t>
-            </a:r>
-            <a:r>
-              <a:rPr lang="zh-TW" altLang="en-US" sz="5400" b="1" dirty="0">
-                <a:solidFill>
-                  <a:srgbClr val="000066"/>
-                </a:solidFill>
-                <a:latin typeface="微軟正黑體" pitchFamily="34" charset="-120"/>
-                <a:ea typeface="微軟正黑體" pitchFamily="34" charset="-120"/>
-              </a:rPr>
-              <a:t>大營</a:t>
-            </a:r>
-            <a:r>
-              <a:rPr lang="zh-TW" altLang="en-US" sz="5400" b="1" dirty="0" smtClean="0">
-                <a:solidFill>
-                  <a:srgbClr val="000066"/>
-                </a:solidFill>
-                <a:latin typeface="微軟正黑體" pitchFamily="34" charset="-120"/>
-                <a:ea typeface="微軟正黑體" pitchFamily="34" charset="-120"/>
-              </a:rPr>
-              <a:t>軍</a:t>
-            </a:r>
-            <a:endParaRPr lang="en-US" altLang="zh-TW" sz="5400" b="1" dirty="0" smtClean="0">
+              <a:t>凡屬基督精兵  都該向前進</a:t>
+            </a:r>
+            <a:endParaRPr lang="en-US" altLang="zh-TW" sz="6400" b="1" dirty="0">
               <a:solidFill>
                 <a:srgbClr val="000066"/>
               </a:solidFill>
@@ -4533,182 +4761,64 @@
               <a:ea typeface="微軟正黑體" pitchFamily="34" charset="-120"/>
             </a:endParaRPr>
           </a:p>
-          <a:p>
-            <a:pPr algn="ctr">
-              <a:buNone/>
-            </a:pPr>
-            <a:r>
-              <a:rPr lang="zh-TW" altLang="en-US" sz="5400" b="1" dirty="0" smtClean="0">
-                <a:solidFill>
-                  <a:srgbClr val="000066"/>
-                </a:solidFill>
-                <a:latin typeface="微軟正黑體" pitchFamily="34" charset="-120"/>
-                <a:ea typeface="微軟正黑體" pitchFamily="34" charset="-120"/>
-              </a:rPr>
-              <a:t>我</a:t>
-            </a:r>
-            <a:r>
-              <a:rPr lang="zh-TW" altLang="en-US" sz="5400" b="1" dirty="0">
-                <a:solidFill>
-                  <a:srgbClr val="000066"/>
-                </a:solidFill>
-                <a:latin typeface="微軟正黑體" pitchFamily="34" charset="-120"/>
-                <a:ea typeface="微軟正黑體" pitchFamily="34" charset="-120"/>
-              </a:rPr>
-              <a:t>等兄弟走</a:t>
-            </a:r>
-            <a:r>
-              <a:rPr lang="zh-TW" altLang="en-US" sz="5400" b="1" dirty="0" smtClean="0">
-                <a:solidFill>
-                  <a:srgbClr val="000066"/>
-                </a:solidFill>
-                <a:latin typeface="微軟正黑體" pitchFamily="34" charset="-120"/>
-                <a:ea typeface="微軟正黑體" pitchFamily="34" charset="-120"/>
-              </a:rPr>
-              <a:t>過  昔</a:t>
-            </a:r>
-            <a:r>
-              <a:rPr lang="zh-TW" altLang="en-US" sz="5400" b="1" dirty="0">
-                <a:solidFill>
-                  <a:srgbClr val="000066"/>
-                </a:solidFill>
-                <a:latin typeface="微軟正黑體" pitchFamily="34" charset="-120"/>
-                <a:ea typeface="微軟正黑體" pitchFamily="34" charset="-120"/>
-              </a:rPr>
-              <a:t>聖徒所</a:t>
-            </a:r>
-            <a:r>
-              <a:rPr lang="zh-TW" altLang="en-US" sz="5400" b="1" dirty="0" smtClean="0">
-                <a:solidFill>
-                  <a:srgbClr val="000066"/>
-                </a:solidFill>
-                <a:latin typeface="微軟正黑體" pitchFamily="34" charset="-120"/>
-                <a:ea typeface="微軟正黑體" pitchFamily="34" charset="-120"/>
-              </a:rPr>
-              <a:t>經</a:t>
-            </a:r>
-            <a:endParaRPr lang="en-US" altLang="zh-TW" sz="5400" b="1" dirty="0">
+        </p:txBody>
+      </p:sp>
+      <p:sp>
+        <p:nvSpPr>
+          <p:cNvPr id="3" name="TextBox 2"/>
+          <p:cNvSpPr txBox="1"/>
+          <p:nvPr/>
+        </p:nvSpPr>
+        <p:spPr>
+          <a:xfrm>
+            <a:off x="0" y="5061181"/>
+            <a:ext cx="12192000" cy="666786"/>
+          </a:xfrm>
+          <a:prstGeom prst="rect">
+            <a:avLst/>
+          </a:prstGeom>
+          <a:noFill/>
+        </p:spPr>
+        <p:txBody>
+          <a:bodyPr wrap="square" rtlCol="0">
+            <a:spAutoFit/>
+          </a:bodyPr>
+          <a:lstStyle/>
+          <a:p>
+            <a:pPr algn="ctr"/>
+            <a:r>
+              <a:rPr lang="en-US" sz="3733" b="1" dirty="0">
+                <a:solidFill>
+                  <a:srgbClr val="000066"/>
+                </a:solidFill>
+              </a:rPr>
+              <a:t>( 2 / 5 )</a:t>
+            </a:r>
+            <a:endParaRPr lang="vi-VN" sz="3733" b="1" dirty="0">
               <a:solidFill>
                 <a:srgbClr val="000066"/>
               </a:solidFill>
-              <a:latin typeface="微軟正黑體" pitchFamily="34" charset="-120"/>
-              <a:ea typeface="微軟正黑體" pitchFamily="34" charset="-120"/>
             </a:endParaRPr>
           </a:p>
-          <a:p>
-            <a:pPr algn="ctr">
-              <a:buNone/>
-            </a:pPr>
-            <a:r>
-              <a:rPr lang="zh-TW" altLang="en-US" sz="5400" b="1" dirty="0" smtClean="0">
-                <a:solidFill>
-                  <a:srgbClr val="000066"/>
-                </a:solidFill>
-                <a:latin typeface="微軟正黑體" pitchFamily="34" charset="-120"/>
-                <a:ea typeface="微軟正黑體" pitchFamily="34" charset="-120"/>
-              </a:rPr>
-              <a:t>我</a:t>
-            </a:r>
-            <a:r>
-              <a:rPr lang="zh-TW" altLang="en-US" sz="5400" b="1" dirty="0">
-                <a:solidFill>
-                  <a:srgbClr val="000066"/>
-                </a:solidFill>
-                <a:latin typeface="微軟正黑體" pitchFamily="34" charset="-120"/>
-                <a:ea typeface="微軟正黑體" pitchFamily="34" charset="-120"/>
-              </a:rPr>
-              <a:t>等不可</a:t>
-            </a:r>
-            <a:r>
-              <a:rPr lang="zh-TW" altLang="en-US" sz="5400" b="1" dirty="0" smtClean="0">
-                <a:solidFill>
-                  <a:srgbClr val="000066"/>
-                </a:solidFill>
-                <a:latin typeface="微軟正黑體" pitchFamily="34" charset="-120"/>
-                <a:ea typeface="微軟正黑體" pitchFamily="34" charset="-120"/>
-              </a:rPr>
-              <a:t>分離  須</a:t>
-            </a:r>
-            <a:r>
-              <a:rPr lang="zh-TW" altLang="en-US" sz="5400" b="1" dirty="0">
-                <a:solidFill>
-                  <a:srgbClr val="000066"/>
-                </a:solidFill>
-                <a:latin typeface="微軟正黑體" pitchFamily="34" charset="-120"/>
-                <a:ea typeface="微軟正黑體" pitchFamily="34" charset="-120"/>
-              </a:rPr>
-              <a:t>與眾</a:t>
-            </a:r>
-            <a:r>
-              <a:rPr lang="zh-TW" altLang="en-US" sz="5400" b="1" dirty="0" smtClean="0">
-                <a:solidFill>
-                  <a:srgbClr val="000066"/>
-                </a:solidFill>
-                <a:latin typeface="微軟正黑體" pitchFamily="34" charset="-120"/>
-                <a:ea typeface="微軟正黑體" pitchFamily="34" charset="-120"/>
-              </a:rPr>
-              <a:t>一體</a:t>
-            </a:r>
-            <a:endParaRPr lang="en-US" altLang="zh-TW" sz="5400" b="1" dirty="0" smtClean="0">
-              <a:solidFill>
-                <a:srgbClr val="000066"/>
-              </a:solidFill>
-              <a:latin typeface="微軟正黑體" pitchFamily="34" charset="-120"/>
-              <a:ea typeface="微軟正黑體" pitchFamily="34" charset="-120"/>
-            </a:endParaRPr>
-          </a:p>
-          <a:p>
-            <a:pPr algn="ctr">
-              <a:buNone/>
-            </a:pPr>
-            <a:r>
-              <a:rPr lang="zh-TW" altLang="en-US" sz="5400" b="1" dirty="0" smtClean="0">
-                <a:solidFill>
-                  <a:srgbClr val="000066"/>
-                </a:solidFill>
-                <a:latin typeface="微軟正黑體" pitchFamily="34" charset="-120"/>
-                <a:ea typeface="微軟正黑體" pitchFamily="34" charset="-120"/>
-              </a:rPr>
-              <a:t>即</a:t>
-            </a:r>
-            <a:r>
-              <a:rPr lang="zh-TW" altLang="en-US" sz="5400" b="1" dirty="0">
-                <a:solidFill>
-                  <a:srgbClr val="000066"/>
-                </a:solidFill>
-                <a:latin typeface="微軟正黑體" pitchFamily="34" charset="-120"/>
-                <a:ea typeface="微軟正黑體" pitchFamily="34" charset="-120"/>
-              </a:rPr>
-              <a:t>仁愛與</a:t>
-            </a:r>
-            <a:r>
-              <a:rPr lang="zh-TW" altLang="en-US" sz="5400" b="1" dirty="0" smtClean="0">
-                <a:solidFill>
-                  <a:srgbClr val="000066"/>
-                </a:solidFill>
-                <a:latin typeface="微軟正黑體" pitchFamily="34" charset="-120"/>
-                <a:ea typeface="微軟正黑體" pitchFamily="34" charset="-120"/>
-              </a:rPr>
-              <a:t>指望  道</a:t>
-            </a:r>
-            <a:r>
-              <a:rPr lang="zh-TW" altLang="en-US" sz="5400" b="1" dirty="0">
-                <a:solidFill>
-                  <a:srgbClr val="000066"/>
-                </a:solidFill>
-                <a:latin typeface="微軟正黑體" pitchFamily="34" charset="-120"/>
-                <a:ea typeface="微軟正黑體" pitchFamily="34" charset="-120"/>
-              </a:rPr>
-              <a:t>理合為一</a:t>
-            </a:r>
-          </a:p>
         </p:txBody>
       </p:sp>
     </p:spTree>
+    <p:extLst>
+      <p:ext uri="{BB962C8B-B14F-4D97-AF65-F5344CB8AC3E}">
+        <p14:creationId xmlns:p14="http://schemas.microsoft.com/office/powerpoint/2010/main" val="2337109137"/>
+      </p:ext>
+    </p:extLst>
   </p:cSld>
   <p:clrMapOvr>
     <a:masterClrMapping/>
   </p:clrMapOvr>
+  <p:timing>
+    <p:tnLst>
+      <p:par>
+        <p:cTn id="1" dur="indefinite" restart="never" nodeType="tmRoot"/>
+      </p:par>
+    </p:tnLst>
+  </p:timing>
 </p:sld>
 </file>
 
@@ -4731,30 +4841,40 @@
       </p:grpSpPr>
       <p:sp>
         <p:nvSpPr>
-          <p:cNvPr id="4" name="標題 3"/>
-          <p:cNvSpPr>
-            <a:spLocks noGrp="1"/>
-          </p:cNvSpPr>
-          <p:nvPr>
-            <p:ph type="title"/>
-          </p:nvPr>
-        </p:nvSpPr>
-        <p:spPr/>
-        <p:txBody>
-          <a:bodyPr/>
-          <a:lstStyle/>
-          <a:p>
-            <a:r>
-              <a:rPr lang="zh-TW" altLang="en-US" b="1" dirty="0" smtClean="0">
+          <p:cNvPr id="5" name="內容版面配置區 4"/>
+          <p:cNvSpPr>
+            <a:spLocks noGrp="1"/>
+          </p:cNvSpPr>
+          <p:nvPr>
+            <p:ph idx="1"/>
+          </p:nvPr>
+        </p:nvSpPr>
+        <p:spPr>
+          <a:xfrm>
+            <a:off x="0" y="2084851"/>
+            <a:ext cx="12192000" cy="2404863"/>
+          </a:xfrm>
+        </p:spPr>
+        <p:txBody>
+          <a:bodyPr anchor="ctr">
+            <a:normAutofit/>
+          </a:bodyPr>
+          <a:lstStyle/>
+          <a:p>
+            <a:pPr algn="ctr">
+              <a:buNone/>
+            </a:pPr>
+            <a:r>
+              <a:rPr lang="zh-TW" altLang="en-US" sz="6400" b="1" dirty="0">
                 <a:solidFill>
                   <a:srgbClr val="000066"/>
                 </a:solidFill>
                 <a:latin typeface="微軟正黑體" pitchFamily="34" charset="-120"/>
                 <a:ea typeface="微軟正黑體" pitchFamily="34" charset="-120"/>
               </a:rPr>
-              <a:t>基督精兵前進</a:t>
-            </a:r>
-            <a:endParaRPr lang="zh-TW" altLang="en-US" b="1" dirty="0">
+              <a:t>凱歌遍地高唱  地獄皆震動</a:t>
+            </a:r>
+            <a:endParaRPr lang="en-US" altLang="zh-TW" sz="6400" b="1" dirty="0">
               <a:solidFill>
                 <a:srgbClr val="000066"/>
               </a:solidFill>
@@ -4762,54 +4882,21 @@
               <a:ea typeface="微軟正黑體" pitchFamily="34" charset="-120"/>
             </a:endParaRPr>
           </a:p>
-        </p:txBody>
-      </p:sp>
-      <p:sp>
-        <p:nvSpPr>
-          <p:cNvPr id="5" name="內容版面配置區 4"/>
-          <p:cNvSpPr>
-            <a:spLocks noGrp="1"/>
-          </p:cNvSpPr>
-          <p:nvPr>
-            <p:ph idx="1"/>
-          </p:nvPr>
-        </p:nvSpPr>
-        <p:spPr>
-          <a:xfrm>
-            <a:off x="0" y="1600200"/>
-            <a:ext cx="9144000" cy="5257800"/>
-          </a:xfrm>
-        </p:spPr>
-        <p:txBody>
-          <a:bodyPr>
-            <a:normAutofit/>
-          </a:bodyPr>
-          <a:lstStyle/>
           <a:p>
             <a:pPr algn="ctr">
               <a:buNone/>
             </a:pPr>
             <a:r>
-              <a:rPr lang="zh-TW" altLang="en-US" sz="5400" b="1" dirty="0">
+              <a:rPr lang="zh-TW" altLang="en-US" sz="6400" b="1" dirty="0">
                 <a:solidFill>
                   <a:srgbClr val="000066"/>
                 </a:solidFill>
                 <a:latin typeface="微軟正黑體" pitchFamily="34" charset="-120"/>
                 <a:ea typeface="微軟正黑體" pitchFamily="34" charset="-120"/>
               </a:rPr>
-              <a:t>基督精兵</a:t>
-            </a:r>
-            <a:r>
-              <a:rPr lang="zh-TW" altLang="en-US" sz="5400" b="1" dirty="0" smtClean="0">
-                <a:solidFill>
-                  <a:srgbClr val="000066"/>
-                </a:solidFill>
-                <a:latin typeface="微軟正黑體" pitchFamily="34" charset="-120"/>
-                <a:ea typeface="微軟正黑體" pitchFamily="34" charset="-120"/>
-              </a:rPr>
-              <a:t>前進</a:t>
-            </a:r>
-            <a:endParaRPr lang="en-US" altLang="zh-TW" sz="5400" b="1" dirty="0" smtClean="0">
+              <a:t>弟兄高聲同唱  頌讚主無窮</a:t>
+            </a:r>
+            <a:endParaRPr lang="zh-TW" altLang="en-US" sz="6400" b="1" dirty="0">
               <a:solidFill>
                 <a:srgbClr val="000066"/>
               </a:solidFill>
@@ -4817,139 +4904,64 @@
               <a:ea typeface="微軟正黑體" pitchFamily="34" charset="-120"/>
             </a:endParaRPr>
           </a:p>
-          <a:p>
-            <a:pPr algn="ctr">
-              <a:buNone/>
-            </a:pPr>
-            <a:r>
-              <a:rPr lang="zh-TW" altLang="en-US" sz="5400" b="1" dirty="0" smtClean="0">
-                <a:solidFill>
-                  <a:srgbClr val="000066"/>
-                </a:solidFill>
-                <a:latin typeface="微軟正黑體" pitchFamily="34" charset="-120"/>
-                <a:ea typeface="微軟正黑體" pitchFamily="34" charset="-120"/>
-              </a:rPr>
-              <a:t>齊</a:t>
-            </a:r>
-            <a:r>
-              <a:rPr lang="zh-TW" altLang="en-US" sz="5400" b="1" dirty="0">
-                <a:solidFill>
-                  <a:srgbClr val="000066"/>
-                </a:solidFill>
-                <a:latin typeface="微軟正黑體" pitchFamily="34" charset="-120"/>
-                <a:ea typeface="微軟正黑體" pitchFamily="34" charset="-120"/>
-              </a:rPr>
-              <a:t>向戰場</a:t>
-            </a:r>
-            <a:r>
-              <a:rPr lang="zh-TW" altLang="en-US" sz="5400" b="1" dirty="0" smtClean="0">
-                <a:solidFill>
-                  <a:srgbClr val="000066"/>
-                </a:solidFill>
-                <a:latin typeface="微軟正黑體" pitchFamily="34" charset="-120"/>
-                <a:ea typeface="微軟正黑體" pitchFamily="34" charset="-120"/>
-              </a:rPr>
-              <a:t>走</a:t>
-            </a:r>
-            <a:endParaRPr lang="en-US" altLang="zh-TW" sz="5400" b="1" dirty="0" smtClean="0">
+        </p:txBody>
+      </p:sp>
+      <p:sp>
+        <p:nvSpPr>
+          <p:cNvPr id="3" name="TextBox 2"/>
+          <p:cNvSpPr txBox="1"/>
+          <p:nvPr/>
+        </p:nvSpPr>
+        <p:spPr>
+          <a:xfrm>
+            <a:off x="0" y="5061181"/>
+            <a:ext cx="12192000" cy="666786"/>
+          </a:xfrm>
+          <a:prstGeom prst="rect">
+            <a:avLst/>
+          </a:prstGeom>
+          <a:noFill/>
+        </p:spPr>
+        <p:txBody>
+          <a:bodyPr wrap="square" rtlCol="0">
+            <a:spAutoFit/>
+          </a:bodyPr>
+          <a:lstStyle/>
+          <a:p>
+            <a:pPr algn="ctr"/>
+            <a:r>
+              <a:rPr lang="en-US" sz="3733" b="1" dirty="0">
+                <a:solidFill>
+                  <a:srgbClr val="000066"/>
+                </a:solidFill>
+              </a:rPr>
+              <a:t>( 2 / 5 )</a:t>
+            </a:r>
+            <a:endParaRPr lang="vi-VN" sz="3733" b="1" dirty="0">
               <a:solidFill>
                 <a:srgbClr val="000066"/>
               </a:solidFill>
-              <a:latin typeface="微軟正黑體" pitchFamily="34" charset="-120"/>
-              <a:ea typeface="微軟正黑體" pitchFamily="34" charset="-120"/>
             </a:endParaRPr>
           </a:p>
-          <a:p>
-            <a:pPr algn="ctr">
-              <a:buNone/>
-            </a:pPr>
-            <a:r>
-              <a:rPr lang="zh-TW" altLang="en-US" sz="5400" b="1" dirty="0" smtClean="0">
-                <a:solidFill>
-                  <a:srgbClr val="000066"/>
-                </a:solidFill>
-                <a:latin typeface="微軟正黑體" pitchFamily="34" charset="-120"/>
-                <a:ea typeface="微軟正黑體" pitchFamily="34" charset="-120"/>
-              </a:rPr>
-              <a:t>耶穌</a:t>
-            </a:r>
-            <a:r>
-              <a:rPr lang="zh-TW" altLang="en-US" sz="5400" b="1" dirty="0">
-                <a:solidFill>
-                  <a:srgbClr val="000066"/>
-                </a:solidFill>
-                <a:latin typeface="微軟正黑體" pitchFamily="34" charset="-120"/>
-                <a:ea typeface="微軟正黑體" pitchFamily="34" charset="-120"/>
-              </a:rPr>
-              <a:t>為我</a:t>
-            </a:r>
-            <a:r>
-              <a:rPr lang="zh-TW" altLang="en-US" sz="5400" b="1" dirty="0" smtClean="0">
-                <a:solidFill>
-                  <a:srgbClr val="000066"/>
-                </a:solidFill>
-                <a:latin typeface="微軟正黑體" pitchFamily="34" charset="-120"/>
-                <a:ea typeface="微軟正黑體" pitchFamily="34" charset="-120"/>
-              </a:rPr>
-              <a:t>元帥</a:t>
-            </a:r>
-            <a:endParaRPr lang="en-US" altLang="zh-TW" sz="5400" b="1" dirty="0" smtClean="0">
-              <a:solidFill>
-                <a:srgbClr val="000066"/>
-              </a:solidFill>
-              <a:latin typeface="微軟正黑體" pitchFamily="34" charset="-120"/>
-              <a:ea typeface="微軟正黑體" pitchFamily="34" charset="-120"/>
-            </a:endParaRPr>
-          </a:p>
-          <a:p>
-            <a:pPr algn="ctr">
-              <a:buNone/>
-            </a:pPr>
-            <a:r>
-              <a:rPr lang="zh-TW" altLang="en-US" sz="5400" b="1" dirty="0" smtClean="0">
-                <a:solidFill>
-                  <a:srgbClr val="000066"/>
-                </a:solidFill>
-                <a:latin typeface="微軟正黑體" pitchFamily="34" charset="-120"/>
-                <a:ea typeface="微軟正黑體" pitchFamily="34" charset="-120"/>
-              </a:rPr>
-              <a:t>引導</a:t>
-            </a:r>
-            <a:r>
-              <a:rPr lang="zh-TW" altLang="en-US" sz="5400" b="1" dirty="0">
-                <a:solidFill>
-                  <a:srgbClr val="000066"/>
-                </a:solidFill>
-                <a:latin typeface="微軟正黑體" pitchFamily="34" charset="-120"/>
-                <a:ea typeface="微軟正黑體" pitchFamily="34" charset="-120"/>
-              </a:rPr>
-              <a:t>在</a:t>
-            </a:r>
-            <a:r>
-              <a:rPr lang="zh-TW" altLang="en-US" sz="5400" b="1" dirty="0" smtClean="0">
-                <a:solidFill>
-                  <a:srgbClr val="000066"/>
-                </a:solidFill>
-                <a:latin typeface="微軟正黑體" pitchFamily="34" charset="-120"/>
-                <a:ea typeface="微軟正黑體" pitchFamily="34" charset="-120"/>
-              </a:rPr>
-              <a:t>前頭</a:t>
-            </a:r>
-            <a:endParaRPr lang="zh-TW" altLang="en-US" sz="5400" b="1" dirty="0">
-              <a:solidFill>
-                <a:srgbClr val="000066"/>
-              </a:solidFill>
-              <a:latin typeface="微軟正黑體" pitchFamily="34" charset="-120"/>
-              <a:ea typeface="微軟正黑體" pitchFamily="34" charset="-120"/>
-            </a:endParaRPr>
-          </a:p>
         </p:txBody>
       </p:sp>
     </p:spTree>
+    <p:extLst>
+      <p:ext uri="{BB962C8B-B14F-4D97-AF65-F5344CB8AC3E}">
+        <p14:creationId xmlns:p14="http://schemas.microsoft.com/office/powerpoint/2010/main" val="3241854438"/>
+      </p:ext>
+    </p:extLst>
   </p:cSld>
   <p:clrMapOvr>
     <a:masterClrMapping/>
   </p:clrMapOvr>
+  <p:timing>
+    <p:tnLst>
+      <p:par>
+        <p:cTn id="1" dur="indefinite" restart="never" nodeType="tmRoot"/>
+      </p:par>
+    </p:tnLst>
+  </p:timing>
 </p:sld>
 </file>
 
@@ -4972,21 +4984,31 @@
       </p:grpSpPr>
       <p:sp>
         <p:nvSpPr>
-          <p:cNvPr id="4" name="標題 3"/>
-          <p:cNvSpPr>
-            <a:spLocks noGrp="1"/>
-          </p:cNvSpPr>
-          <p:nvPr>
-            <p:ph type="title"/>
-          </p:nvPr>
-        </p:nvSpPr>
-        <p:spPr/>
-        <p:txBody>
-          <a:bodyPr/>
-          <a:lstStyle/>
-          <a:p>
-            <a:r>
-              <a:rPr lang="zh-TW" altLang="en-US" b="1" dirty="0" smtClean="0">
+          <p:cNvPr id="5" name="內容版面配置區 4"/>
+          <p:cNvSpPr>
+            <a:spLocks noGrp="1"/>
+          </p:cNvSpPr>
+          <p:nvPr>
+            <p:ph idx="1"/>
+          </p:nvPr>
+        </p:nvSpPr>
+        <p:spPr>
+          <a:xfrm>
+            <a:off x="0" y="2084851"/>
+            <a:ext cx="12192000" cy="2404863"/>
+          </a:xfrm>
+        </p:spPr>
+        <p:txBody>
+          <a:bodyPr anchor="ctr">
+            <a:normAutofit/>
+          </a:bodyPr>
+          <a:lstStyle/>
+          <a:p>
+            <a:pPr algn="ctr">
+              <a:buNone/>
+            </a:pPr>
+            <a:r>
+              <a:rPr lang="zh-TW" altLang="en-US" sz="6400" b="1" dirty="0">
                 <a:solidFill>
                   <a:srgbClr val="000066"/>
                 </a:solidFill>
@@ -4995,7 +5017,27 @@
               </a:rPr>
               <a:t>基督精兵前進</a:t>
             </a:r>
-            <a:endParaRPr lang="zh-TW" altLang="en-US" b="1" dirty="0">
+            <a:r>
+              <a:rPr lang="en-US" altLang="zh-TW" sz="6400" b="1" dirty="0">
+                <a:solidFill>
+                  <a:srgbClr val="000066"/>
+                </a:solidFill>
+                <a:latin typeface="微軟正黑體" pitchFamily="34" charset="-120"/>
+                <a:ea typeface="微軟正黑體" pitchFamily="34" charset="-120"/>
+              </a:rPr>
+              <a:t>  </a:t>
+            </a:r>
+            <a:r>
+              <a:rPr lang="zh-TW" altLang="en-US" sz="6400" b="1" dirty="0">
+                <a:solidFill>
+                  <a:srgbClr val="000066"/>
+                </a:solidFill>
+                <a:latin typeface="微軟正黑體" pitchFamily="34" charset="-120"/>
+                <a:ea typeface="微軟正黑體" pitchFamily="34" charset="-120"/>
+              </a:rPr>
+              <a:t>齊向戰場走</a:t>
+            </a:r>
+            <a:endParaRPr lang="en-US" altLang="zh-TW" sz="6400" b="1" dirty="0">
               <a:solidFill>
                 <a:srgbClr val="000066"/>
               </a:solidFill>
@@ -5003,74 +5045,41 @@
               <a:ea typeface="微軟正黑體" pitchFamily="34" charset="-120"/>
             </a:endParaRPr>
           </a:p>
-        </p:txBody>
-      </p:sp>
-      <p:sp>
-        <p:nvSpPr>
-          <p:cNvPr id="5" name="內容版面配置區 4"/>
-          <p:cNvSpPr>
-            <a:spLocks noGrp="1"/>
-          </p:cNvSpPr>
-          <p:nvPr>
-            <p:ph idx="1"/>
-          </p:nvPr>
-        </p:nvSpPr>
-        <p:spPr>
-          <a:xfrm>
-            <a:off x="0" y="1600200"/>
-            <a:ext cx="9144000" cy="5257800"/>
-          </a:xfrm>
-        </p:spPr>
-        <p:txBody>
-          <a:bodyPr>
-            <a:normAutofit/>
-          </a:bodyPr>
-          <a:lstStyle/>
           <a:p>
             <a:pPr algn="ctr">
               <a:buNone/>
             </a:pPr>
             <a:r>
-              <a:rPr lang="zh-TW" altLang="en-US" sz="5400" b="1" dirty="0">
+              <a:rPr lang="zh-TW" altLang="en-US" sz="6400" b="1" dirty="0">
                 <a:solidFill>
                   <a:srgbClr val="000066"/>
                 </a:solidFill>
                 <a:latin typeface="微軟正黑體" pitchFamily="34" charset="-120"/>
                 <a:ea typeface="微軟正黑體" pitchFamily="34" charset="-120"/>
               </a:rPr>
-              <a:t>王位冠冕可</a:t>
-            </a:r>
-            <a:r>
-              <a:rPr lang="zh-TW" altLang="en-US" sz="5400" b="1" dirty="0" smtClean="0">
+              <a:t>耶穌為我元帥</a:t>
+            </a:r>
+            <a:r>
+              <a:rPr lang="en-US" altLang="zh-TW" sz="6400" b="1" dirty="0">
                 <a:solidFill>
                   <a:srgbClr val="000066"/>
                 </a:solidFill>
                 <a:latin typeface="微軟正黑體" pitchFamily="34" charset="-120"/>
                 <a:ea typeface="微軟正黑體" pitchFamily="34" charset="-120"/>
               </a:rPr>
-              <a:t>壞  邦國</a:t>
-            </a:r>
-            <a:r>
-              <a:rPr lang="zh-TW" altLang="en-US" sz="5400" b="1" dirty="0">
+              <a:t>  </a:t>
+            </a:r>
+            <a:r>
+              <a:rPr lang="zh-TW" altLang="en-US" sz="6400" b="1" dirty="0">
                 <a:solidFill>
                   <a:srgbClr val="000066"/>
                 </a:solidFill>
                 <a:latin typeface="微軟正黑體" pitchFamily="34" charset="-120"/>
                 <a:ea typeface="微軟正黑體" pitchFamily="34" charset="-120"/>
               </a:rPr>
-              <a:t>有</a:t>
-            </a:r>
-            <a:r>
-              <a:rPr lang="zh-TW" altLang="en-US" sz="5400" b="1" dirty="0" smtClean="0">
-                <a:solidFill>
-                  <a:srgbClr val="000066"/>
-                </a:solidFill>
-                <a:latin typeface="微軟正黑體" pitchFamily="34" charset="-120"/>
-                <a:ea typeface="微軟正黑體" pitchFamily="34" charset="-120"/>
-              </a:rPr>
-              <a:t>興衰</a:t>
-            </a:r>
-            <a:endParaRPr lang="en-US" altLang="zh-TW" sz="5400" b="1" dirty="0" smtClean="0">
+              <a:t>引導在前頭</a:t>
+            </a:r>
+            <a:endParaRPr lang="zh-TW" altLang="en-US" sz="6400" b="1" dirty="0">
               <a:solidFill>
                 <a:srgbClr val="000066"/>
               </a:solidFill>
@@ -5078,182 +5087,25 @@
               <a:ea typeface="微軟正黑體" pitchFamily="34" charset="-120"/>
             </a:endParaRPr>
           </a:p>
-          <a:p>
-            <a:pPr algn="ctr">
-              <a:buNone/>
-            </a:pPr>
-            <a:r>
-              <a:rPr lang="zh-TW" altLang="en-US" sz="5400" b="1" dirty="0" smtClean="0">
-                <a:solidFill>
-                  <a:srgbClr val="000066"/>
-                </a:solidFill>
-                <a:latin typeface="微軟正黑體" pitchFamily="34" charset="-120"/>
-                <a:ea typeface="微軟正黑體" pitchFamily="34" charset="-120"/>
-              </a:rPr>
-              <a:t>惟有</a:t>
-            </a:r>
-            <a:r>
-              <a:rPr lang="zh-TW" altLang="en-US" sz="5400" b="1" dirty="0">
-                <a:solidFill>
-                  <a:srgbClr val="000066"/>
-                </a:solidFill>
-                <a:latin typeface="微軟正黑體" pitchFamily="34" charset="-120"/>
-                <a:ea typeface="微軟正黑體" pitchFamily="34" charset="-120"/>
-              </a:rPr>
-              <a:t>基督聖</a:t>
-            </a:r>
-            <a:r>
-              <a:rPr lang="zh-TW" altLang="en-US" sz="5400" b="1" dirty="0" smtClean="0">
-                <a:solidFill>
-                  <a:srgbClr val="000066"/>
-                </a:solidFill>
-                <a:latin typeface="微軟正黑體" pitchFamily="34" charset="-120"/>
-                <a:ea typeface="微軟正黑體" pitchFamily="34" charset="-120"/>
-              </a:rPr>
-              <a:t>教  傳</a:t>
-            </a:r>
-            <a:r>
-              <a:rPr lang="zh-TW" altLang="en-US" sz="5400" b="1" dirty="0">
-                <a:solidFill>
-                  <a:srgbClr val="000066"/>
-                </a:solidFill>
-                <a:latin typeface="微軟正黑體" pitchFamily="34" charset="-120"/>
-                <a:ea typeface="微軟正黑體" pitchFamily="34" charset="-120"/>
-              </a:rPr>
-              <a:t>流永不</a:t>
-            </a:r>
-            <a:r>
-              <a:rPr lang="zh-TW" altLang="en-US" sz="5400" b="1" dirty="0" smtClean="0">
-                <a:solidFill>
-                  <a:srgbClr val="000066"/>
-                </a:solidFill>
-                <a:latin typeface="微軟正黑體" pitchFamily="34" charset="-120"/>
-                <a:ea typeface="微軟正黑體" pitchFamily="34" charset="-120"/>
-              </a:rPr>
-              <a:t>敗</a:t>
-            </a:r>
-            <a:endParaRPr lang="en-US" altLang="zh-TW" sz="5400" b="1" dirty="0">
-              <a:solidFill>
-                <a:srgbClr val="000066"/>
-              </a:solidFill>
-              <a:latin typeface="微軟正黑體" pitchFamily="34" charset="-120"/>
-              <a:ea typeface="微軟正黑體" pitchFamily="34" charset="-120"/>
-            </a:endParaRPr>
-          </a:p>
-          <a:p>
-            <a:pPr algn="ctr">
-              <a:buNone/>
-            </a:pPr>
-            <a:r>
-              <a:rPr lang="zh-TW" altLang="en-US" sz="5400" b="1" dirty="0" smtClean="0">
-                <a:solidFill>
-                  <a:srgbClr val="000066"/>
-                </a:solidFill>
-                <a:latin typeface="微軟正黑體" pitchFamily="34" charset="-120"/>
-                <a:ea typeface="微軟正黑體" pitchFamily="34" charset="-120"/>
-              </a:rPr>
-              <a:t>地獄</a:t>
-            </a:r>
-            <a:r>
-              <a:rPr lang="zh-TW" altLang="en-US" sz="5400" b="1" dirty="0">
-                <a:solidFill>
-                  <a:srgbClr val="000066"/>
-                </a:solidFill>
-                <a:latin typeface="微軟正黑體" pitchFamily="34" charset="-120"/>
-                <a:ea typeface="微軟正黑體" pitchFamily="34" charset="-120"/>
-              </a:rPr>
-              <a:t>兇惡</a:t>
-            </a:r>
-            <a:r>
-              <a:rPr lang="zh-TW" altLang="en-US" sz="5400" b="1" dirty="0" smtClean="0">
-                <a:solidFill>
-                  <a:srgbClr val="000066"/>
-                </a:solidFill>
-                <a:latin typeface="微軟正黑體" pitchFamily="34" charset="-120"/>
-                <a:ea typeface="微軟正黑體" pitchFamily="34" charset="-120"/>
-              </a:rPr>
-              <a:t>權勢  萬</a:t>
-            </a:r>
-            <a:r>
-              <a:rPr lang="zh-TW" altLang="en-US" sz="5400" b="1" dirty="0">
-                <a:solidFill>
-                  <a:srgbClr val="000066"/>
-                </a:solidFill>
-                <a:latin typeface="微軟正黑體" pitchFamily="34" charset="-120"/>
-                <a:ea typeface="微軟正黑體" pitchFamily="34" charset="-120"/>
-              </a:rPr>
-              <a:t>不勝</a:t>
-            </a:r>
-            <a:r>
-              <a:rPr lang="zh-TW" altLang="en-US" sz="5400" b="1" dirty="0" smtClean="0">
-                <a:solidFill>
-                  <a:srgbClr val="000066"/>
-                </a:solidFill>
-                <a:latin typeface="微軟正黑體" pitchFamily="34" charset="-120"/>
-                <a:ea typeface="微軟正黑體" pitchFamily="34" charset="-120"/>
-              </a:rPr>
-              <a:t>教會</a:t>
-            </a:r>
-            <a:endParaRPr lang="en-US" altLang="zh-TW" sz="5400" b="1" dirty="0" smtClean="0">
-              <a:solidFill>
-                <a:srgbClr val="000066"/>
-              </a:solidFill>
-              <a:latin typeface="微軟正黑體" pitchFamily="34" charset="-120"/>
-              <a:ea typeface="微軟正黑體" pitchFamily="34" charset="-120"/>
-            </a:endParaRPr>
-          </a:p>
-          <a:p>
-            <a:pPr algn="ctr">
-              <a:buNone/>
-            </a:pPr>
-            <a:r>
-              <a:rPr lang="zh-TW" altLang="en-US" sz="5400" b="1" dirty="0" smtClean="0">
-                <a:solidFill>
-                  <a:srgbClr val="000066"/>
-                </a:solidFill>
-                <a:latin typeface="微軟正黑體" pitchFamily="34" charset="-120"/>
-                <a:ea typeface="微軟正黑體" pitchFamily="34" charset="-120"/>
-              </a:rPr>
-              <a:t>因</a:t>
-            </a:r>
-            <a:r>
-              <a:rPr lang="zh-TW" altLang="en-US" sz="5400" b="1" dirty="0">
-                <a:solidFill>
-                  <a:srgbClr val="000066"/>
-                </a:solidFill>
-                <a:latin typeface="微軟正黑體" pitchFamily="34" charset="-120"/>
-                <a:ea typeface="微軟正黑體" pitchFamily="34" charset="-120"/>
-              </a:rPr>
-              <a:t>基督所</a:t>
-            </a:r>
-            <a:r>
-              <a:rPr lang="zh-TW" altLang="en-US" sz="5400" b="1" dirty="0" smtClean="0">
-                <a:solidFill>
-                  <a:srgbClr val="000066"/>
-                </a:solidFill>
-                <a:latin typeface="微軟正黑體" pitchFamily="34" charset="-120"/>
-                <a:ea typeface="微軟正黑體" pitchFamily="34" charset="-120"/>
-              </a:rPr>
-              <a:t>應許  永遠</a:t>
-            </a:r>
-            <a:r>
-              <a:rPr lang="zh-TW" altLang="en-US" sz="5400" b="1" dirty="0">
-                <a:solidFill>
-                  <a:srgbClr val="000066"/>
-                </a:solidFill>
-                <a:latin typeface="微軟正黑體" pitchFamily="34" charset="-120"/>
-                <a:ea typeface="微軟正黑體" pitchFamily="34" charset="-120"/>
-              </a:rPr>
-              <a:t>不能廢</a:t>
-            </a:r>
-          </a:p>
         </p:txBody>
       </p:sp>
     </p:spTree>
+    <p:extLst>
+      <p:ext uri="{BB962C8B-B14F-4D97-AF65-F5344CB8AC3E}">
+        <p14:creationId xmlns:p14="http://schemas.microsoft.com/office/powerpoint/2010/main" val="3044739812"/>
+      </p:ext>
+    </p:extLst>
   </p:cSld>
   <p:clrMapOvr>
     <a:masterClrMapping/>
   </p:clrMapOvr>
+  <p:timing>
+    <p:tnLst>
+      <p:par>
+        <p:cTn id="1" dur="indefinite" restart="never" nodeType="tmRoot"/>
+      </p:par>
+    </p:tnLst>
+  </p:timing>
 </p:sld>
 </file>
 
@@ -5276,30 +5128,40 @@
       </p:grpSpPr>
       <p:sp>
         <p:nvSpPr>
-          <p:cNvPr id="4" name="標題 3"/>
-          <p:cNvSpPr>
-            <a:spLocks noGrp="1"/>
-          </p:cNvSpPr>
-          <p:nvPr>
-            <p:ph type="title"/>
-          </p:nvPr>
-        </p:nvSpPr>
-        <p:spPr/>
-        <p:txBody>
-          <a:bodyPr/>
-          <a:lstStyle/>
-          <a:p>
-            <a:r>
-              <a:rPr lang="zh-TW" altLang="en-US" b="1" dirty="0" smtClean="0">
+          <p:cNvPr id="5" name="內容版面配置區 4"/>
+          <p:cNvSpPr>
+            <a:spLocks noGrp="1"/>
+          </p:cNvSpPr>
+          <p:nvPr>
+            <p:ph idx="1"/>
+          </p:nvPr>
+        </p:nvSpPr>
+        <p:spPr>
+          <a:xfrm>
+            <a:off x="0" y="2084851"/>
+            <a:ext cx="12192000" cy="2404863"/>
+          </a:xfrm>
+        </p:spPr>
+        <p:txBody>
+          <a:bodyPr anchor="ctr">
+            <a:normAutofit/>
+          </a:bodyPr>
+          <a:lstStyle/>
+          <a:p>
+            <a:pPr algn="ctr">
+              <a:buNone/>
+            </a:pPr>
+            <a:r>
+              <a:rPr lang="zh-TW" altLang="en-US" sz="6400" b="1" dirty="0">
                 <a:solidFill>
                   <a:srgbClr val="000066"/>
                 </a:solidFill>
                 <a:latin typeface="微軟正黑體" pitchFamily="34" charset="-120"/>
                 <a:ea typeface="微軟正黑體" pitchFamily="34" charset="-120"/>
               </a:rPr>
-              <a:t>基督精兵前進</a:t>
-            </a:r>
-            <a:endParaRPr lang="zh-TW" altLang="en-US" b="1" dirty="0">
+              <a:t>基督聖教上前  猶如大營軍</a:t>
+            </a:r>
+            <a:endParaRPr lang="en-US" altLang="zh-TW" sz="6400" b="1" dirty="0">
               <a:solidFill>
                 <a:srgbClr val="000066"/>
               </a:solidFill>
@@ -5307,54 +5169,21 @@
               <a:ea typeface="微軟正黑體" pitchFamily="34" charset="-120"/>
             </a:endParaRPr>
           </a:p>
-        </p:txBody>
-      </p:sp>
-      <p:sp>
-        <p:nvSpPr>
-          <p:cNvPr id="5" name="內容版面配置區 4"/>
-          <p:cNvSpPr>
-            <a:spLocks noGrp="1"/>
-          </p:cNvSpPr>
-          <p:nvPr>
-            <p:ph idx="1"/>
-          </p:nvPr>
-        </p:nvSpPr>
-        <p:spPr>
-          <a:xfrm>
-            <a:off x="0" y="1600200"/>
-            <a:ext cx="9144000" cy="5257800"/>
-          </a:xfrm>
-        </p:spPr>
-        <p:txBody>
-          <a:bodyPr>
-            <a:normAutofit/>
-          </a:bodyPr>
-          <a:lstStyle/>
           <a:p>
             <a:pPr algn="ctr">
               <a:buNone/>
             </a:pPr>
             <a:r>
-              <a:rPr lang="zh-TW" altLang="en-US" sz="5400" b="1" dirty="0">
+              <a:rPr lang="zh-TW" altLang="en-US" sz="6400" b="1" dirty="0">
                 <a:solidFill>
                   <a:srgbClr val="000066"/>
                 </a:solidFill>
                 <a:latin typeface="微軟正黑體" pitchFamily="34" charset="-120"/>
                 <a:ea typeface="微軟正黑體" pitchFamily="34" charset="-120"/>
               </a:rPr>
-              <a:t>基督精兵</a:t>
-            </a:r>
-            <a:r>
-              <a:rPr lang="zh-TW" altLang="en-US" sz="5400" b="1" dirty="0" smtClean="0">
-                <a:solidFill>
-                  <a:srgbClr val="000066"/>
-                </a:solidFill>
-                <a:latin typeface="微軟正黑體" pitchFamily="34" charset="-120"/>
-                <a:ea typeface="微軟正黑體" pitchFamily="34" charset="-120"/>
-              </a:rPr>
-              <a:t>前進</a:t>
-            </a:r>
-            <a:endParaRPr lang="en-US" altLang="zh-TW" sz="5400" b="1" dirty="0" smtClean="0">
+              <a:t>我等兄弟走過  昔聖徒所經</a:t>
+            </a:r>
+            <a:endParaRPr lang="en-US" altLang="zh-TW" sz="6400" b="1" dirty="0">
               <a:solidFill>
                 <a:srgbClr val="000066"/>
               </a:solidFill>
@@ -5362,139 +5191,64 @@
               <a:ea typeface="微軟正黑體" pitchFamily="34" charset="-120"/>
             </a:endParaRPr>
           </a:p>
-          <a:p>
-            <a:pPr algn="ctr">
-              <a:buNone/>
-            </a:pPr>
-            <a:r>
-              <a:rPr lang="zh-TW" altLang="en-US" sz="5400" b="1" dirty="0" smtClean="0">
-                <a:solidFill>
-                  <a:srgbClr val="000066"/>
-                </a:solidFill>
-                <a:latin typeface="微軟正黑體" pitchFamily="34" charset="-120"/>
-                <a:ea typeface="微軟正黑體" pitchFamily="34" charset="-120"/>
-              </a:rPr>
-              <a:t>齊</a:t>
-            </a:r>
-            <a:r>
-              <a:rPr lang="zh-TW" altLang="en-US" sz="5400" b="1" dirty="0">
-                <a:solidFill>
-                  <a:srgbClr val="000066"/>
-                </a:solidFill>
-                <a:latin typeface="微軟正黑體" pitchFamily="34" charset="-120"/>
-                <a:ea typeface="微軟正黑體" pitchFamily="34" charset="-120"/>
-              </a:rPr>
-              <a:t>向戰場</a:t>
-            </a:r>
-            <a:r>
-              <a:rPr lang="zh-TW" altLang="en-US" sz="5400" b="1" dirty="0" smtClean="0">
-                <a:solidFill>
-                  <a:srgbClr val="000066"/>
-                </a:solidFill>
-                <a:latin typeface="微軟正黑體" pitchFamily="34" charset="-120"/>
-                <a:ea typeface="微軟正黑體" pitchFamily="34" charset="-120"/>
-              </a:rPr>
-              <a:t>走</a:t>
-            </a:r>
-            <a:endParaRPr lang="en-US" altLang="zh-TW" sz="5400" b="1" dirty="0" smtClean="0">
+        </p:txBody>
+      </p:sp>
+      <p:sp>
+        <p:nvSpPr>
+          <p:cNvPr id="3" name="TextBox 2"/>
+          <p:cNvSpPr txBox="1"/>
+          <p:nvPr/>
+        </p:nvSpPr>
+        <p:spPr>
+          <a:xfrm>
+            <a:off x="0" y="5061181"/>
+            <a:ext cx="12192000" cy="666786"/>
+          </a:xfrm>
+          <a:prstGeom prst="rect">
+            <a:avLst/>
+          </a:prstGeom>
+          <a:noFill/>
+        </p:spPr>
+        <p:txBody>
+          <a:bodyPr wrap="square" rtlCol="0">
+            <a:spAutoFit/>
+          </a:bodyPr>
+          <a:lstStyle/>
+          <a:p>
+            <a:pPr algn="ctr"/>
+            <a:r>
+              <a:rPr lang="en-US" sz="3733" b="1" dirty="0">
+                <a:solidFill>
+                  <a:srgbClr val="000066"/>
+                </a:solidFill>
+              </a:rPr>
+              <a:t>( 3 / 5 )</a:t>
+            </a:r>
+            <a:endParaRPr lang="vi-VN" sz="3733" b="1" dirty="0">
               <a:solidFill>
                 <a:srgbClr val="000066"/>
               </a:solidFill>
-              <a:latin typeface="微軟正黑體" pitchFamily="34" charset="-120"/>
-              <a:ea typeface="微軟正黑體" pitchFamily="34" charset="-120"/>
             </a:endParaRPr>
           </a:p>
-          <a:p>
-            <a:pPr algn="ctr">
-              <a:buNone/>
-            </a:pPr>
-            <a:r>
-              <a:rPr lang="zh-TW" altLang="en-US" sz="5400" b="1" dirty="0" smtClean="0">
-                <a:solidFill>
-                  <a:srgbClr val="000066"/>
-                </a:solidFill>
-                <a:latin typeface="微軟正黑體" pitchFamily="34" charset="-120"/>
-                <a:ea typeface="微軟正黑體" pitchFamily="34" charset="-120"/>
-              </a:rPr>
-              <a:t>耶穌</a:t>
-            </a:r>
-            <a:r>
-              <a:rPr lang="zh-TW" altLang="en-US" sz="5400" b="1" dirty="0">
-                <a:solidFill>
-                  <a:srgbClr val="000066"/>
-                </a:solidFill>
-                <a:latin typeface="微軟正黑體" pitchFamily="34" charset="-120"/>
-                <a:ea typeface="微軟正黑體" pitchFamily="34" charset="-120"/>
-              </a:rPr>
-              <a:t>為我</a:t>
-            </a:r>
-            <a:r>
-              <a:rPr lang="zh-TW" altLang="en-US" sz="5400" b="1" dirty="0" smtClean="0">
-                <a:solidFill>
-                  <a:srgbClr val="000066"/>
-                </a:solidFill>
-                <a:latin typeface="微軟正黑體" pitchFamily="34" charset="-120"/>
-                <a:ea typeface="微軟正黑體" pitchFamily="34" charset="-120"/>
-              </a:rPr>
-              <a:t>元帥</a:t>
-            </a:r>
-            <a:endParaRPr lang="en-US" altLang="zh-TW" sz="5400" b="1" dirty="0" smtClean="0">
-              <a:solidFill>
-                <a:srgbClr val="000066"/>
-              </a:solidFill>
-              <a:latin typeface="微軟正黑體" pitchFamily="34" charset="-120"/>
-              <a:ea typeface="微軟正黑體" pitchFamily="34" charset="-120"/>
-            </a:endParaRPr>
-          </a:p>
-          <a:p>
-            <a:pPr algn="ctr">
-              <a:buNone/>
-            </a:pPr>
-            <a:r>
-              <a:rPr lang="zh-TW" altLang="en-US" sz="5400" b="1" dirty="0" smtClean="0">
-                <a:solidFill>
-                  <a:srgbClr val="000066"/>
-                </a:solidFill>
-                <a:latin typeface="微軟正黑體" pitchFamily="34" charset="-120"/>
-                <a:ea typeface="微軟正黑體" pitchFamily="34" charset="-120"/>
-              </a:rPr>
-              <a:t>引導</a:t>
-            </a:r>
-            <a:r>
-              <a:rPr lang="zh-TW" altLang="en-US" sz="5400" b="1" dirty="0">
-                <a:solidFill>
-                  <a:srgbClr val="000066"/>
-                </a:solidFill>
-                <a:latin typeface="微軟正黑體" pitchFamily="34" charset="-120"/>
-                <a:ea typeface="微軟正黑體" pitchFamily="34" charset="-120"/>
-              </a:rPr>
-              <a:t>在</a:t>
-            </a:r>
-            <a:r>
-              <a:rPr lang="zh-TW" altLang="en-US" sz="5400" b="1" dirty="0" smtClean="0">
-                <a:solidFill>
-                  <a:srgbClr val="000066"/>
-                </a:solidFill>
-                <a:latin typeface="微軟正黑體" pitchFamily="34" charset="-120"/>
-                <a:ea typeface="微軟正黑體" pitchFamily="34" charset="-120"/>
-              </a:rPr>
-              <a:t>前頭</a:t>
-            </a:r>
-            <a:endParaRPr lang="zh-TW" altLang="en-US" sz="5400" b="1" dirty="0">
-              <a:solidFill>
-                <a:srgbClr val="000066"/>
-              </a:solidFill>
-              <a:latin typeface="微軟正黑體" pitchFamily="34" charset="-120"/>
-              <a:ea typeface="微軟正黑體" pitchFamily="34" charset="-120"/>
-            </a:endParaRPr>
-          </a:p>
         </p:txBody>
       </p:sp>
     </p:spTree>
+    <p:extLst>
+      <p:ext uri="{BB962C8B-B14F-4D97-AF65-F5344CB8AC3E}">
+        <p14:creationId xmlns:p14="http://schemas.microsoft.com/office/powerpoint/2010/main" val="1964798565"/>
+      </p:ext>
+    </p:extLst>
   </p:cSld>
   <p:clrMapOvr>
     <a:masterClrMapping/>
   </p:clrMapOvr>
+  <p:timing>
+    <p:tnLst>
+      <p:par>
+        <p:cTn id="1" dur="indefinite" restart="never" nodeType="tmRoot"/>
+      </p:par>
+    </p:tnLst>
+  </p:timing>
 </p:sld>
 </file>
 
@@ -5517,30 +5271,40 @@
       </p:grpSpPr>
       <p:sp>
         <p:nvSpPr>
-          <p:cNvPr id="4" name="標題 3"/>
-          <p:cNvSpPr>
-            <a:spLocks noGrp="1"/>
-          </p:cNvSpPr>
-          <p:nvPr>
-            <p:ph type="title"/>
-          </p:nvPr>
-        </p:nvSpPr>
-        <p:spPr/>
-        <p:txBody>
-          <a:bodyPr/>
-          <a:lstStyle/>
-          <a:p>
-            <a:r>
-              <a:rPr lang="zh-TW" altLang="en-US" b="1" dirty="0" smtClean="0">
+          <p:cNvPr id="5" name="內容版面配置區 4"/>
+          <p:cNvSpPr>
+            <a:spLocks noGrp="1"/>
+          </p:cNvSpPr>
+          <p:nvPr>
+            <p:ph idx="1"/>
+          </p:nvPr>
+        </p:nvSpPr>
+        <p:spPr>
+          <a:xfrm>
+            <a:off x="0" y="2084851"/>
+            <a:ext cx="12192000" cy="2404863"/>
+          </a:xfrm>
+        </p:spPr>
+        <p:txBody>
+          <a:bodyPr anchor="ctr">
+            <a:normAutofit/>
+          </a:bodyPr>
+          <a:lstStyle/>
+          <a:p>
+            <a:pPr algn="ctr">
+              <a:buNone/>
+            </a:pPr>
+            <a:r>
+              <a:rPr lang="zh-TW" altLang="en-US" sz="6400" b="1" dirty="0">
                 <a:solidFill>
                   <a:srgbClr val="000066"/>
                 </a:solidFill>
                 <a:latin typeface="微軟正黑體" pitchFamily="34" charset="-120"/>
                 <a:ea typeface="微軟正黑體" pitchFamily="34" charset="-120"/>
               </a:rPr>
-              <a:t>基督精兵前進</a:t>
-            </a:r>
-            <a:endParaRPr lang="zh-TW" altLang="en-US" b="1" dirty="0">
+              <a:t>我等不可分離  須與眾一體</a:t>
+            </a:r>
+            <a:endParaRPr lang="en-US" altLang="zh-TW" sz="6400" b="1" dirty="0">
               <a:solidFill>
                 <a:srgbClr val="000066"/>
               </a:solidFill>
@@ -5548,74 +5312,21 @@
               <a:ea typeface="微軟正黑體" pitchFamily="34" charset="-120"/>
             </a:endParaRPr>
           </a:p>
-        </p:txBody>
-      </p:sp>
-      <p:sp>
-        <p:nvSpPr>
-          <p:cNvPr id="5" name="內容版面配置區 4"/>
-          <p:cNvSpPr>
-            <a:spLocks noGrp="1"/>
-          </p:cNvSpPr>
-          <p:nvPr>
-            <p:ph idx="1"/>
-          </p:nvPr>
-        </p:nvSpPr>
-        <p:spPr>
-          <a:xfrm>
-            <a:off x="0" y="1600200"/>
-            <a:ext cx="9144000" cy="5257800"/>
-          </a:xfrm>
-        </p:spPr>
-        <p:txBody>
-          <a:bodyPr>
-            <a:normAutofit/>
-          </a:bodyPr>
-          <a:lstStyle/>
           <a:p>
             <a:pPr algn="ctr">
               <a:buNone/>
             </a:pPr>
             <a:r>
-              <a:rPr lang="zh-TW" altLang="en-US" sz="5400" b="1" dirty="0">
+              <a:rPr lang="zh-TW" altLang="en-US" sz="6400" b="1" dirty="0">
                 <a:solidFill>
                   <a:srgbClr val="000066"/>
                 </a:solidFill>
                 <a:latin typeface="微軟正黑體" pitchFamily="34" charset="-120"/>
                 <a:ea typeface="微軟正黑體" pitchFamily="34" charset="-120"/>
               </a:rPr>
-              <a:t>眾聖民齊</a:t>
-            </a:r>
-            <a:r>
-              <a:rPr lang="zh-TW" altLang="en-US" sz="5400" b="1" dirty="0" smtClean="0">
-                <a:solidFill>
-                  <a:srgbClr val="000066"/>
-                </a:solidFill>
-                <a:latin typeface="微軟正黑體" pitchFamily="34" charset="-120"/>
-                <a:ea typeface="微軟正黑體" pitchFamily="34" charset="-120"/>
-              </a:rPr>
-              <a:t>上前  聯</a:t>
-            </a:r>
-            <a:r>
-              <a:rPr lang="zh-TW" altLang="en-US" sz="5400" b="1" dirty="0">
-                <a:solidFill>
-                  <a:srgbClr val="000066"/>
-                </a:solidFill>
-                <a:latin typeface="微軟正黑體" pitchFamily="34" charset="-120"/>
-                <a:ea typeface="微軟正黑體" pitchFamily="34" charset="-120"/>
-              </a:rPr>
-              <a:t>為快</a:t>
-            </a:r>
-            <a:r>
-              <a:rPr lang="zh-TW" altLang="en-US" sz="5400" b="1" dirty="0" smtClean="0">
-                <a:solidFill>
-                  <a:srgbClr val="000066"/>
-                </a:solidFill>
-                <a:latin typeface="微軟正黑體" pitchFamily="34" charset="-120"/>
-                <a:ea typeface="微軟正黑體" pitchFamily="34" charset="-120"/>
-              </a:rPr>
-              <a:t>樂群</a:t>
-            </a:r>
-            <a:endParaRPr lang="en-US" altLang="zh-TW" sz="5400" b="1" dirty="0" smtClean="0">
+              <a:t>即仁愛與指望  道理合為一</a:t>
+            </a:r>
+            <a:endParaRPr lang="zh-TW" altLang="en-US" sz="6400" b="1" dirty="0">
               <a:solidFill>
                 <a:srgbClr val="000066"/>
               </a:solidFill>
@@ -5623,182 +5334,64 @@
               <a:ea typeface="微軟正黑體" pitchFamily="34" charset="-120"/>
             </a:endParaRPr>
           </a:p>
-          <a:p>
-            <a:pPr algn="ctr">
-              <a:buNone/>
-            </a:pPr>
-            <a:r>
-              <a:rPr lang="zh-TW" altLang="en-US" sz="5400" b="1" dirty="0" smtClean="0">
-                <a:solidFill>
-                  <a:srgbClr val="000066"/>
-                </a:solidFill>
-                <a:latin typeface="微軟正黑體" pitchFamily="34" charset="-120"/>
-                <a:ea typeface="微軟正黑體" pitchFamily="34" charset="-120"/>
-              </a:rPr>
-              <a:t>我</a:t>
-            </a:r>
-            <a:r>
-              <a:rPr lang="zh-TW" altLang="en-US" sz="5400" b="1" dirty="0">
-                <a:solidFill>
-                  <a:srgbClr val="000066"/>
-                </a:solidFill>
-                <a:latin typeface="微軟正黑體" pitchFamily="34" charset="-120"/>
-                <a:ea typeface="微軟正黑體" pitchFamily="34" charset="-120"/>
-              </a:rPr>
-              <a:t>等歡呼</a:t>
-            </a:r>
-            <a:r>
-              <a:rPr lang="zh-TW" altLang="en-US" sz="5400" b="1" dirty="0" smtClean="0">
-                <a:solidFill>
-                  <a:srgbClr val="000066"/>
-                </a:solidFill>
-                <a:latin typeface="微軟正黑體" pitchFamily="34" charset="-120"/>
-                <a:ea typeface="微軟正黑體" pitchFamily="34" charset="-120"/>
-              </a:rPr>
-              <a:t>和諧  合</a:t>
-            </a:r>
-            <a:r>
-              <a:rPr lang="zh-TW" altLang="en-US" sz="5400" b="1" dirty="0">
-                <a:solidFill>
-                  <a:srgbClr val="000066"/>
-                </a:solidFill>
-                <a:latin typeface="微軟正黑體" pitchFamily="34" charset="-120"/>
-                <a:ea typeface="微軟正黑體" pitchFamily="34" charset="-120"/>
-              </a:rPr>
-              <a:t>發凱歌</a:t>
-            </a:r>
-            <a:r>
-              <a:rPr lang="zh-TW" altLang="en-US" sz="5400" b="1" dirty="0" smtClean="0">
-                <a:solidFill>
-                  <a:srgbClr val="000066"/>
-                </a:solidFill>
-                <a:latin typeface="微軟正黑體" pitchFamily="34" charset="-120"/>
-                <a:ea typeface="微軟正黑體" pitchFamily="34" charset="-120"/>
-              </a:rPr>
-              <a:t>聲</a:t>
-            </a:r>
-            <a:endParaRPr lang="en-US" altLang="zh-TW" sz="5400" b="1" dirty="0">
+        </p:txBody>
+      </p:sp>
+      <p:sp>
+        <p:nvSpPr>
+          <p:cNvPr id="3" name="TextBox 2"/>
+          <p:cNvSpPr txBox="1"/>
+          <p:nvPr/>
+        </p:nvSpPr>
+        <p:spPr>
+          <a:xfrm>
+            <a:off x="0" y="5061181"/>
+            <a:ext cx="12192000" cy="666786"/>
+          </a:xfrm>
+          <a:prstGeom prst="rect">
+            <a:avLst/>
+          </a:prstGeom>
+          <a:noFill/>
+        </p:spPr>
+        <p:txBody>
+          <a:bodyPr wrap="square" rtlCol="0">
+            <a:spAutoFit/>
+          </a:bodyPr>
+          <a:lstStyle/>
+          <a:p>
+            <a:pPr algn="ctr"/>
+            <a:r>
+              <a:rPr lang="en-US" sz="3733" b="1" dirty="0">
+                <a:solidFill>
+                  <a:srgbClr val="000066"/>
+                </a:solidFill>
+              </a:rPr>
+              <a:t>( 3 / 5 )</a:t>
+            </a:r>
+            <a:endParaRPr lang="vi-VN" sz="3733" b="1" dirty="0">
               <a:solidFill>
                 <a:srgbClr val="000066"/>
               </a:solidFill>
-              <a:latin typeface="微軟正黑體" pitchFamily="34" charset="-120"/>
-              <a:ea typeface="微軟正黑體" pitchFamily="34" charset="-120"/>
             </a:endParaRPr>
           </a:p>
-          <a:p>
-            <a:pPr algn="ctr">
-              <a:buNone/>
-            </a:pPr>
-            <a:r>
-              <a:rPr lang="zh-TW" altLang="en-US" sz="5400" b="1" dirty="0" smtClean="0">
-                <a:solidFill>
-                  <a:srgbClr val="000066"/>
-                </a:solidFill>
-                <a:latin typeface="微軟正黑體" pitchFamily="34" charset="-120"/>
-                <a:ea typeface="微軟正黑體" pitchFamily="34" charset="-120"/>
-              </a:rPr>
-              <a:t>榮耀</a:t>
-            </a:r>
-            <a:r>
-              <a:rPr lang="zh-TW" altLang="en-US" sz="5400" b="1" dirty="0">
-                <a:solidFill>
-                  <a:srgbClr val="000066"/>
-                </a:solidFill>
-                <a:latin typeface="微軟正黑體" pitchFamily="34" charset="-120"/>
-                <a:ea typeface="微軟正黑體" pitchFamily="34" charset="-120"/>
-              </a:rPr>
-              <a:t>讚美</a:t>
-            </a:r>
-            <a:r>
-              <a:rPr lang="zh-TW" altLang="en-US" sz="5400" b="1" dirty="0" smtClean="0">
-                <a:solidFill>
-                  <a:srgbClr val="000066"/>
-                </a:solidFill>
-                <a:latin typeface="微軟正黑體" pitchFamily="34" charset="-120"/>
-                <a:ea typeface="微軟正黑體" pitchFamily="34" charset="-120"/>
-              </a:rPr>
-              <a:t>尊貴  歸</a:t>
-            </a:r>
-            <a:r>
-              <a:rPr lang="zh-TW" altLang="en-US" sz="5400" b="1" dirty="0">
-                <a:solidFill>
-                  <a:srgbClr val="000066"/>
-                </a:solidFill>
-                <a:latin typeface="微軟正黑體" pitchFamily="34" charset="-120"/>
-                <a:ea typeface="微軟正黑體" pitchFamily="34" charset="-120"/>
-              </a:rPr>
-              <a:t>與基督</a:t>
-            </a:r>
-            <a:r>
-              <a:rPr lang="zh-TW" altLang="en-US" sz="5400" b="1" dirty="0" smtClean="0">
-                <a:solidFill>
-                  <a:srgbClr val="000066"/>
-                </a:solidFill>
-                <a:latin typeface="微軟正黑體" pitchFamily="34" charset="-120"/>
-                <a:ea typeface="微軟正黑體" pitchFamily="34" charset="-120"/>
-              </a:rPr>
-              <a:t>王</a:t>
-            </a:r>
-            <a:endParaRPr lang="en-US" altLang="zh-TW" sz="5400" b="1" dirty="0" smtClean="0">
-              <a:solidFill>
-                <a:srgbClr val="000066"/>
-              </a:solidFill>
-              <a:latin typeface="微軟正黑體" pitchFamily="34" charset="-120"/>
-              <a:ea typeface="微軟正黑體" pitchFamily="34" charset="-120"/>
-            </a:endParaRPr>
-          </a:p>
-          <a:p>
-            <a:pPr algn="ctr">
-              <a:buNone/>
-            </a:pPr>
-            <a:r>
-              <a:rPr lang="zh-TW" altLang="en-US" sz="5400" b="1" dirty="0" smtClean="0">
-                <a:solidFill>
-                  <a:srgbClr val="000066"/>
-                </a:solidFill>
-                <a:latin typeface="微軟正黑體" pitchFamily="34" charset="-120"/>
-                <a:ea typeface="微軟正黑體" pitchFamily="34" charset="-120"/>
-              </a:rPr>
-              <a:t>在</a:t>
-            </a:r>
-            <a:r>
-              <a:rPr lang="zh-TW" altLang="en-US" sz="5400" b="1" dirty="0">
-                <a:solidFill>
-                  <a:srgbClr val="000066"/>
-                </a:solidFill>
-                <a:latin typeface="微軟正黑體" pitchFamily="34" charset="-120"/>
-                <a:ea typeface="微軟正黑體" pitchFamily="34" charset="-120"/>
-              </a:rPr>
-              <a:t>無數之</a:t>
-            </a:r>
-            <a:r>
-              <a:rPr lang="zh-TW" altLang="en-US" sz="5400" b="1" dirty="0" smtClean="0">
-                <a:solidFill>
-                  <a:srgbClr val="000066"/>
-                </a:solidFill>
-                <a:latin typeface="微軟正黑體" pitchFamily="34" charset="-120"/>
-                <a:ea typeface="微軟正黑體" pitchFamily="34" charset="-120"/>
-              </a:rPr>
-              <a:t>年代  人</a:t>
-            </a:r>
-            <a:r>
-              <a:rPr lang="zh-TW" altLang="en-US" sz="5400" b="1" dirty="0">
-                <a:solidFill>
-                  <a:srgbClr val="000066"/>
-                </a:solidFill>
-                <a:latin typeface="微軟正黑體" pitchFamily="34" charset="-120"/>
-                <a:ea typeface="微軟正黑體" pitchFamily="34" charset="-120"/>
-              </a:rPr>
-              <a:t>同天使唱</a:t>
-            </a:r>
-          </a:p>
         </p:txBody>
       </p:sp>
     </p:spTree>
+    <p:extLst>
+      <p:ext uri="{BB962C8B-B14F-4D97-AF65-F5344CB8AC3E}">
+        <p14:creationId xmlns:p14="http://schemas.microsoft.com/office/powerpoint/2010/main" val="2335478447"/>
+      </p:ext>
+    </p:extLst>
   </p:cSld>
   <p:clrMapOvr>
     <a:masterClrMapping/>
   </p:clrMapOvr>
+  <p:timing>
+    <p:tnLst>
+      <p:par>
+        <p:cTn id="1" dur="indefinite" restart="never" nodeType="tmRoot"/>
+      </p:par>
+    </p:tnLst>
+  </p:timing>
 </p:sld>
 </file>
 
